--- a/課題研究/2016/小山隆太郎/最終発表/1442031_小山隆太郎_ポスター.pptx
+++ b/課題研究/2016/小山隆太郎/最終発表/1442031_小山隆太郎_ポスター.pptx
@@ -211,7 +211,7 @@
           <a:p>
             <a:fld id="{1355B614-8C80-42CD-A0C7-A8AC0A708725}" type="datetimeFigureOut">
               <a:rPr kumimoji="1" lang="ja-JP" altLang="en-US" smtClean="0"/>
-              <a:t>2016/12/13</a:t>
+              <a:t>2016/12/14</a:t>
             </a:fld>
             <a:endParaRPr kumimoji="1" lang="ja-JP" altLang="en-US"/>
           </a:p>
@@ -723,7 +723,7 @@
           <a:p>
             <a:fld id="{CD18CB5A-6947-405F-A94A-52FF85729738}" type="datetimeFigureOut">
               <a:rPr kumimoji="1" lang="ja-JP" altLang="en-US" smtClean="0"/>
-              <a:t>2016/12/13</a:t>
+              <a:t>2016/12/14</a:t>
             </a:fld>
             <a:endParaRPr kumimoji="1" lang="ja-JP" altLang="en-US"/>
           </a:p>
@@ -923,7 +923,7 @@
           <a:p>
             <a:fld id="{CD18CB5A-6947-405F-A94A-52FF85729738}" type="datetimeFigureOut">
               <a:rPr kumimoji="1" lang="ja-JP" altLang="en-US" smtClean="0"/>
-              <a:t>2016/12/13</a:t>
+              <a:t>2016/12/14</a:t>
             </a:fld>
             <a:endParaRPr kumimoji="1" lang="ja-JP" altLang="en-US"/>
           </a:p>
@@ -1133,7 +1133,7 @@
           <a:p>
             <a:fld id="{CD18CB5A-6947-405F-A94A-52FF85729738}" type="datetimeFigureOut">
               <a:rPr kumimoji="1" lang="ja-JP" altLang="en-US" smtClean="0"/>
-              <a:t>2016/12/13</a:t>
+              <a:t>2016/12/14</a:t>
             </a:fld>
             <a:endParaRPr kumimoji="1" lang="ja-JP" altLang="en-US"/>
           </a:p>
@@ -1333,7 +1333,7 @@
           <a:p>
             <a:fld id="{CD18CB5A-6947-405F-A94A-52FF85729738}" type="datetimeFigureOut">
               <a:rPr kumimoji="1" lang="ja-JP" altLang="en-US" smtClean="0"/>
-              <a:t>2016/12/13</a:t>
+              <a:t>2016/12/14</a:t>
             </a:fld>
             <a:endParaRPr kumimoji="1" lang="ja-JP" altLang="en-US"/>
           </a:p>
@@ -1578,7 +1578,7 @@
           <a:p>
             <a:fld id="{CD18CB5A-6947-405F-A94A-52FF85729738}" type="datetimeFigureOut">
               <a:rPr kumimoji="1" lang="ja-JP" altLang="en-US" smtClean="0"/>
-              <a:t>2016/12/13</a:t>
+              <a:t>2016/12/14</a:t>
             </a:fld>
             <a:endParaRPr kumimoji="1" lang="ja-JP" altLang="en-US"/>
           </a:p>
@@ -1871,7 +1871,7 @@
           <a:p>
             <a:fld id="{CD18CB5A-6947-405F-A94A-52FF85729738}" type="datetimeFigureOut">
               <a:rPr kumimoji="1" lang="ja-JP" altLang="en-US" smtClean="0"/>
-              <a:t>2016/12/13</a:t>
+              <a:t>2016/12/14</a:t>
             </a:fld>
             <a:endParaRPr kumimoji="1" lang="ja-JP" altLang="en-US"/>
           </a:p>
@@ -2299,7 +2299,7 @@
           <a:p>
             <a:fld id="{CD18CB5A-6947-405F-A94A-52FF85729738}" type="datetimeFigureOut">
               <a:rPr kumimoji="1" lang="ja-JP" altLang="en-US" smtClean="0"/>
-              <a:t>2016/12/13</a:t>
+              <a:t>2016/12/14</a:t>
             </a:fld>
             <a:endParaRPr kumimoji="1" lang="ja-JP" altLang="en-US"/>
           </a:p>
@@ -2416,7 +2416,7 @@
           <a:p>
             <a:fld id="{CD18CB5A-6947-405F-A94A-52FF85729738}" type="datetimeFigureOut">
               <a:rPr kumimoji="1" lang="ja-JP" altLang="en-US" smtClean="0"/>
-              <a:t>2016/12/13</a:t>
+              <a:t>2016/12/14</a:t>
             </a:fld>
             <a:endParaRPr kumimoji="1" lang="ja-JP" altLang="en-US"/>
           </a:p>
@@ -2511,7 +2511,7 @@
           <a:p>
             <a:fld id="{CD18CB5A-6947-405F-A94A-52FF85729738}" type="datetimeFigureOut">
               <a:rPr kumimoji="1" lang="ja-JP" altLang="en-US" smtClean="0"/>
-              <a:t>2016/12/13</a:t>
+              <a:t>2016/12/14</a:t>
             </a:fld>
             <a:endParaRPr kumimoji="1" lang="ja-JP" altLang="en-US"/>
           </a:p>
@@ -2818,7 +2818,7 @@
           <a:p>
             <a:fld id="{CD18CB5A-6947-405F-A94A-52FF85729738}" type="datetimeFigureOut">
               <a:rPr kumimoji="1" lang="ja-JP" altLang="en-US" smtClean="0"/>
-              <a:t>2016/12/13</a:t>
+              <a:t>2016/12/14</a:t>
             </a:fld>
             <a:endParaRPr kumimoji="1" lang="ja-JP" altLang="en-US"/>
           </a:p>
@@ -3070,7 +3070,7 @@
           <a:p>
             <a:fld id="{CD18CB5A-6947-405F-A94A-52FF85729738}" type="datetimeFigureOut">
               <a:rPr kumimoji="1" lang="ja-JP" altLang="en-US" smtClean="0"/>
-              <a:t>2016/12/13</a:t>
+              <a:t>2016/12/14</a:t>
             </a:fld>
             <a:endParaRPr kumimoji="1" lang="ja-JP" altLang="en-US"/>
           </a:p>
@@ -3313,7 +3313,7 @@
           <a:p>
             <a:fld id="{CD18CB5A-6947-405F-A94A-52FF85729738}" type="datetimeFigureOut">
               <a:rPr kumimoji="1" lang="ja-JP" altLang="en-US" smtClean="0"/>
-              <a:t>2016/12/13</a:t>
+              <a:t>2016/12/14</a:t>
             </a:fld>
             <a:endParaRPr kumimoji="1" lang="ja-JP" altLang="en-US"/>
           </a:p>
@@ -3726,1443 +3726,9 @@
           <a:chExt cx="0" cy="0"/>
         </a:xfrm>
       </p:grpSpPr>
-      <p:sp>
-        <p:nvSpPr>
-          <p:cNvPr id="39" name="正方形/長方形 38"/>
-          <p:cNvSpPr/>
-          <p:nvPr/>
-        </p:nvSpPr>
-        <p:spPr>
-          <a:xfrm>
-            <a:off x="321942" y="18092096"/>
-            <a:ext cx="9675864" cy="12167542"/>
-          </a:xfrm>
-          <a:prstGeom prst="rect">
-            <a:avLst/>
-          </a:prstGeom>
-          <a:solidFill>
-            <a:schemeClr val="bg1"/>
-          </a:solidFill>
-        </p:spPr>
-        <p:style>
-          <a:lnRef idx="2">
-            <a:schemeClr val="accent1">
-              <a:shade val="50000"/>
-            </a:schemeClr>
-          </a:lnRef>
-          <a:fillRef idx="1">
-            <a:schemeClr val="accent1"/>
-          </a:fillRef>
-          <a:effectRef idx="0">
-            <a:schemeClr val="accent1"/>
-          </a:effectRef>
-          <a:fontRef idx="minor">
-            <a:schemeClr val="lt1"/>
-          </a:fontRef>
-        </p:style>
-        <p:txBody>
-          <a:bodyPr rtlCol="0" anchor="ctr"/>
-          <a:lstStyle/>
-          <a:p>
-            <a:pPr algn="ctr"/>
-            <a:endParaRPr kumimoji="1" lang="ja-JP" altLang="en-US"/>
-          </a:p>
-        </p:txBody>
-      </p:sp>
-      <p:sp>
-        <p:nvSpPr>
-          <p:cNvPr id="26" name="四角形: 角を丸くする 25"/>
-          <p:cNvSpPr/>
-          <p:nvPr/>
-        </p:nvSpPr>
-        <p:spPr>
-          <a:xfrm>
-            <a:off x="10484494" y="19100427"/>
-            <a:ext cx="10812575" cy="5040560"/>
-          </a:xfrm>
-          <a:prstGeom prst="roundRect">
-            <a:avLst/>
-          </a:prstGeom>
-          <a:solidFill>
-            <a:schemeClr val="bg1"/>
-          </a:solidFill>
-          <a:ln>
-            <a:solidFill>
-              <a:schemeClr val="accent2"/>
-            </a:solidFill>
-          </a:ln>
-        </p:spPr>
-        <p:style>
-          <a:lnRef idx="2">
-            <a:schemeClr val="accent1">
-              <a:shade val="50000"/>
-            </a:schemeClr>
-          </a:lnRef>
-          <a:fillRef idx="1">
-            <a:schemeClr val="accent1"/>
-          </a:fillRef>
-          <a:effectRef idx="0">
-            <a:schemeClr val="accent1"/>
-          </a:effectRef>
-          <a:fontRef idx="minor">
-            <a:schemeClr val="lt1"/>
-          </a:fontRef>
-        </p:style>
-        <p:txBody>
-          <a:bodyPr rtlCol="0" anchor="ctr"/>
-          <a:lstStyle/>
-          <a:p>
-            <a:pPr algn="ctr"/>
-            <a:endParaRPr kumimoji="1" lang="ja-JP" altLang="en-US"/>
-          </a:p>
-        </p:txBody>
-      </p:sp>
-      <p:sp>
-        <p:nvSpPr>
-          <p:cNvPr id="48" name="四角形: 角を丸くする 47"/>
-          <p:cNvSpPr/>
-          <p:nvPr/>
-        </p:nvSpPr>
-        <p:spPr>
-          <a:xfrm>
-            <a:off x="135962" y="11141529"/>
-            <a:ext cx="8755934" cy="5607533"/>
-          </a:xfrm>
-          <a:prstGeom prst="roundRect">
-            <a:avLst/>
-          </a:prstGeom>
-          <a:solidFill>
-            <a:schemeClr val="bg1"/>
-          </a:solidFill>
-          <a:ln>
-            <a:solidFill>
-              <a:schemeClr val="accent6"/>
-            </a:solidFill>
-          </a:ln>
-        </p:spPr>
-        <p:style>
-          <a:lnRef idx="2">
-            <a:schemeClr val="accent1">
-              <a:shade val="50000"/>
-            </a:schemeClr>
-          </a:lnRef>
-          <a:fillRef idx="1">
-            <a:schemeClr val="accent1"/>
-          </a:fillRef>
-          <a:effectRef idx="0">
-            <a:schemeClr val="accent1"/>
-          </a:effectRef>
-          <a:fontRef idx="minor">
-            <a:schemeClr val="lt1"/>
-          </a:fontRef>
-        </p:style>
-        <p:txBody>
-          <a:bodyPr rtlCol="0" anchor="ctr"/>
-          <a:lstStyle/>
-          <a:p>
-            <a:pPr algn="ctr"/>
-            <a:endParaRPr kumimoji="1" lang="ja-JP" altLang="en-US"/>
-          </a:p>
-        </p:txBody>
-      </p:sp>
-      <p:sp>
-        <p:nvSpPr>
-          <p:cNvPr id="47" name="四角形: 角を丸くする 46"/>
-          <p:cNvSpPr/>
-          <p:nvPr/>
-        </p:nvSpPr>
-        <p:spPr>
-          <a:xfrm>
-            <a:off x="9623025" y="4790913"/>
-            <a:ext cx="8139527" cy="3021424"/>
-          </a:xfrm>
-          <a:prstGeom prst="roundRect">
-            <a:avLst/>
-          </a:prstGeom>
-          <a:solidFill>
-            <a:schemeClr val="accent2">
-              <a:lumMod val="20000"/>
-              <a:lumOff val="80000"/>
-            </a:schemeClr>
-          </a:solidFill>
-          <a:ln>
-            <a:solidFill>
-              <a:schemeClr val="accent2"/>
-            </a:solidFill>
-          </a:ln>
-        </p:spPr>
-        <p:style>
-          <a:lnRef idx="2">
-            <a:schemeClr val="accent1">
-              <a:shade val="50000"/>
-            </a:schemeClr>
-          </a:lnRef>
-          <a:fillRef idx="1">
-            <a:schemeClr val="accent1"/>
-          </a:fillRef>
-          <a:effectRef idx="0">
-            <a:schemeClr val="accent1"/>
-          </a:effectRef>
-          <a:fontRef idx="minor">
-            <a:schemeClr val="lt1"/>
-          </a:fontRef>
-        </p:style>
-        <p:txBody>
-          <a:bodyPr rtlCol="0" anchor="ctr"/>
-          <a:lstStyle/>
-          <a:p>
-            <a:pPr algn="ctr"/>
-            <a:endParaRPr kumimoji="1" lang="ja-JP" altLang="en-US"/>
-          </a:p>
-        </p:txBody>
-      </p:sp>
-      <p:sp>
-        <p:nvSpPr>
-          <p:cNvPr id="46" name="四角形: 角を丸くする 45"/>
-          <p:cNvSpPr/>
-          <p:nvPr/>
-        </p:nvSpPr>
-        <p:spPr>
-          <a:xfrm>
-            <a:off x="135962" y="4760178"/>
-            <a:ext cx="8755934" cy="5037551"/>
-          </a:xfrm>
-          <a:prstGeom prst="roundRect">
-            <a:avLst/>
-          </a:prstGeom>
-          <a:solidFill>
-            <a:schemeClr val="accent1">
-              <a:lumMod val="40000"/>
-              <a:lumOff val="60000"/>
-            </a:schemeClr>
-          </a:solidFill>
-        </p:spPr>
-        <p:style>
-          <a:lnRef idx="2">
-            <a:schemeClr val="accent1">
-              <a:shade val="50000"/>
-            </a:schemeClr>
-          </a:lnRef>
-          <a:fillRef idx="1">
-            <a:schemeClr val="accent1"/>
-          </a:fillRef>
-          <a:effectRef idx="0">
-            <a:schemeClr val="accent1"/>
-          </a:effectRef>
-          <a:fontRef idx="minor">
-            <a:schemeClr val="lt1"/>
-          </a:fontRef>
-        </p:style>
-        <p:txBody>
-          <a:bodyPr rtlCol="0" anchor="ctr"/>
-          <a:lstStyle/>
-          <a:p>
-            <a:pPr algn="ctr"/>
-            <a:endParaRPr kumimoji="1" lang="ja-JP" altLang="en-US"/>
-          </a:p>
-        </p:txBody>
-      </p:sp>
-      <p:sp>
-        <p:nvSpPr>
-          <p:cNvPr id="18" name="正方形/長方形 17"/>
-          <p:cNvSpPr/>
-          <p:nvPr/>
-        </p:nvSpPr>
-        <p:spPr>
-          <a:xfrm>
-            <a:off x="989650" y="19497662"/>
-            <a:ext cx="8842611" cy="4832092"/>
-          </a:xfrm>
-          <a:prstGeom prst="rect">
-            <a:avLst/>
-          </a:prstGeom>
-          <a:solidFill>
-            <a:schemeClr val="bg1"/>
-          </a:solidFill>
-          <a:ln w="28575">
-            <a:solidFill>
-              <a:schemeClr val="tx1"/>
-            </a:solidFill>
-          </a:ln>
-        </p:spPr>
-        <p:style>
-          <a:lnRef idx="2">
-            <a:schemeClr val="accent1">
-              <a:shade val="50000"/>
-            </a:schemeClr>
-          </a:lnRef>
-          <a:fillRef idx="1">
-            <a:schemeClr val="accent1"/>
-          </a:fillRef>
-          <a:effectRef idx="0">
-            <a:schemeClr val="accent1"/>
-          </a:effectRef>
-          <a:fontRef idx="minor">
-            <a:schemeClr val="lt1"/>
-          </a:fontRef>
-        </p:style>
-        <p:txBody>
-          <a:bodyPr rtlCol="0" anchor="ctr"/>
-          <a:lstStyle/>
-          <a:p>
-            <a:pPr algn="ctr"/>
-            <a:endParaRPr kumimoji="1" lang="ja-JP" altLang="en-US"/>
-          </a:p>
-        </p:txBody>
-      </p:sp>
-      <p:sp>
-        <p:nvSpPr>
-          <p:cNvPr id="16" name="四角形: 角を丸くする 15"/>
-          <p:cNvSpPr/>
-          <p:nvPr/>
-        </p:nvSpPr>
-        <p:spPr>
-          <a:xfrm>
-            <a:off x="10321283" y="25575859"/>
-            <a:ext cx="10869024" cy="4253760"/>
-          </a:xfrm>
-          <a:prstGeom prst="roundRect">
-            <a:avLst/>
-          </a:prstGeom>
-          <a:solidFill>
-            <a:schemeClr val="accent1">
-              <a:lumMod val="40000"/>
-              <a:lumOff val="60000"/>
-            </a:schemeClr>
-          </a:solidFill>
-        </p:spPr>
-        <p:style>
-          <a:lnRef idx="2">
-            <a:schemeClr val="accent1">
-              <a:shade val="50000"/>
-            </a:schemeClr>
-          </a:lnRef>
-          <a:fillRef idx="1">
-            <a:schemeClr val="accent1"/>
-          </a:fillRef>
-          <a:effectRef idx="0">
-            <a:schemeClr val="accent1"/>
-          </a:effectRef>
-          <a:fontRef idx="minor">
-            <a:schemeClr val="lt1"/>
-          </a:fontRef>
-        </p:style>
-        <p:txBody>
-          <a:bodyPr rtlCol="0" anchor="ctr"/>
-          <a:lstStyle/>
-          <a:p>
-            <a:pPr algn="ctr"/>
-            <a:endParaRPr kumimoji="1" lang="ja-JP" altLang="en-US"/>
-          </a:p>
-        </p:txBody>
-      </p:sp>
-      <p:sp>
-        <p:nvSpPr>
-          <p:cNvPr id="3" name="テキスト ボックス 2"/>
-          <p:cNvSpPr txBox="1"/>
-          <p:nvPr/>
-        </p:nvSpPr>
-        <p:spPr>
-          <a:xfrm>
-            <a:off x="-196493" y="712137"/>
-            <a:ext cx="21386800" cy="1406111"/>
-          </a:xfrm>
-          <a:prstGeom prst="rect">
-            <a:avLst/>
-          </a:prstGeom>
-          <a:noFill/>
-        </p:spPr>
-        <p:txBody>
-          <a:bodyPr wrap="square" lIns="295232" tIns="147616" rIns="295232" bIns="147616" rtlCol="0">
-            <a:spAutoFit/>
-          </a:bodyPr>
-          <a:lstStyle/>
-          <a:p>
-            <a:pPr algn="ctr"/>
-            <a:r>
-              <a:rPr lang="en-US" altLang="ja-JP" sz="7200" b="1" kern="0" dirty="0" err="1">
-                <a:effectLst>
-                  <a:glow rad="101600">
-                    <a:srgbClr val="FFE880">
-                      <a:tint val="20000"/>
-                      <a:alpha val="60000"/>
-                    </a:srgbClr>
-                  </a:glow>
-                </a:effectLst>
-                <a:latin typeface="+mn-ea"/>
-              </a:rPr>
-              <a:t>RedPen</a:t>
-            </a:r>
-            <a:r>
-              <a:rPr lang="ja-JP" altLang="en-US" sz="7200" b="1" kern="0" dirty="0">
-                <a:effectLst>
-                  <a:glow rad="101600">
-                    <a:srgbClr val="FFE880">
-                      <a:tint val="20000"/>
-                      <a:alpha val="60000"/>
-                    </a:srgbClr>
-                  </a:glow>
-                </a:effectLst>
-                <a:latin typeface="+mn-ea"/>
-              </a:rPr>
-              <a:t>を使った文書自動添削ツール</a:t>
-            </a:r>
-            <a:endParaRPr lang="en-US" altLang="ja-JP" sz="7200" b="1" kern="0" dirty="0">
-              <a:effectLst>
-                <a:glow rad="101600">
-                  <a:srgbClr val="FFE880">
-                    <a:tint val="20000"/>
-                    <a:alpha val="60000"/>
-                  </a:srgbClr>
-                </a:glow>
-              </a:effectLst>
-              <a:latin typeface="+mn-ea"/>
-            </a:endParaRPr>
-          </a:p>
-        </p:txBody>
-      </p:sp>
-      <p:sp>
-        <p:nvSpPr>
-          <p:cNvPr id="13" name="テキスト ボックス 12"/>
-          <p:cNvSpPr txBox="1"/>
-          <p:nvPr/>
-        </p:nvSpPr>
-        <p:spPr>
-          <a:xfrm>
-            <a:off x="-196493" y="2153739"/>
-            <a:ext cx="21386800" cy="1129112"/>
-          </a:xfrm>
-          <a:prstGeom prst="rect">
-            <a:avLst/>
-          </a:prstGeom>
-          <a:noFill/>
-        </p:spPr>
-        <p:txBody>
-          <a:bodyPr wrap="square" lIns="295232" tIns="147616" rIns="295232" bIns="147616" rtlCol="0">
-            <a:spAutoFit/>
-          </a:bodyPr>
-          <a:lstStyle/>
-          <a:p>
-            <a:pPr algn="r"/>
-            <a:r>
-              <a:rPr lang="en-US" altLang="ja-JP" sz="5400" dirty="0">
-                <a:latin typeface="+mn-ea"/>
-              </a:rPr>
-              <a:t>PM</a:t>
-            </a:r>
-            <a:r>
-              <a:rPr lang="ja-JP" altLang="en-US" sz="5400" dirty="0">
-                <a:latin typeface="+mn-ea"/>
-              </a:rPr>
-              <a:t>コース　矢吹研究室　</a:t>
-            </a:r>
-            <a:r>
-              <a:rPr lang="en-US" altLang="ja-JP" sz="5400" dirty="0">
-                <a:latin typeface="+mn-ea"/>
-              </a:rPr>
-              <a:t>1442031 </a:t>
-            </a:r>
-            <a:r>
-              <a:rPr lang="ja-JP" altLang="en-US" sz="5400" dirty="0">
-                <a:latin typeface="+mn-ea"/>
-              </a:rPr>
-              <a:t>小山隆太郎</a:t>
-            </a:r>
-          </a:p>
-        </p:txBody>
-      </p:sp>
-      <p:sp>
-        <p:nvSpPr>
-          <p:cNvPr id="6" name="テキスト ボックス 5"/>
-          <p:cNvSpPr txBox="1"/>
-          <p:nvPr/>
-        </p:nvSpPr>
-        <p:spPr>
-          <a:xfrm>
-            <a:off x="382785" y="4063710"/>
-            <a:ext cx="2664296" cy="769441"/>
-          </a:xfrm>
-          <a:prstGeom prst="rect">
-            <a:avLst/>
-          </a:prstGeom>
-          <a:noFill/>
-        </p:spPr>
-        <p:txBody>
-          <a:bodyPr wrap="square" rtlCol="0">
-            <a:spAutoFit/>
-          </a:bodyPr>
-          <a:lstStyle/>
-          <a:p>
-            <a:r>
-              <a:rPr kumimoji="1" lang="ja-JP" altLang="en-US" sz="4400" b="1" dirty="0">
-                <a:solidFill>
-                  <a:schemeClr val="tx1">
-                    <a:lumMod val="85000"/>
-                    <a:lumOff val="15000"/>
-                  </a:schemeClr>
-                </a:solidFill>
-                <a:latin typeface="+mj-ea"/>
-                <a:ea typeface="+mj-ea"/>
-              </a:rPr>
-              <a:t>背景</a:t>
-            </a:r>
-          </a:p>
-        </p:txBody>
-      </p:sp>
-      <p:sp>
-        <p:nvSpPr>
-          <p:cNvPr id="7" name="テキスト ボックス 6"/>
-          <p:cNvSpPr txBox="1"/>
-          <p:nvPr/>
-        </p:nvSpPr>
-        <p:spPr>
-          <a:xfrm>
-            <a:off x="9169155" y="4060354"/>
-            <a:ext cx="2304256" cy="1754326"/>
-          </a:xfrm>
-          <a:prstGeom prst="rect">
-            <a:avLst/>
-          </a:prstGeom>
-          <a:noFill/>
-        </p:spPr>
-        <p:txBody>
-          <a:bodyPr wrap="square" rtlCol="0">
-            <a:spAutoFit/>
-          </a:bodyPr>
-          <a:lstStyle/>
-          <a:p>
-            <a:r>
-              <a:rPr kumimoji="1" lang="ja-JP" altLang="en-US" sz="4400" b="1" dirty="0">
-                <a:latin typeface="+mj-ea"/>
-                <a:ea typeface="+mj-ea"/>
-              </a:rPr>
-              <a:t>目的</a:t>
-            </a:r>
-            <a:endParaRPr kumimoji="1" lang="en-US" altLang="ja-JP" sz="4400" b="1" dirty="0">
-              <a:latin typeface="+mj-ea"/>
-              <a:ea typeface="+mj-ea"/>
-            </a:endParaRPr>
-          </a:p>
-          <a:p>
-            <a:r>
-              <a:rPr kumimoji="1" lang="ja-JP" altLang="en-US" sz="6000" b="1" dirty="0">
-                <a:solidFill>
-                  <a:schemeClr val="accent1">
-                    <a:lumMod val="50000"/>
-                  </a:schemeClr>
-                </a:solidFill>
-                <a:latin typeface="+mj-ea"/>
-                <a:ea typeface="+mj-ea"/>
-              </a:rPr>
-              <a:t>　</a:t>
-            </a:r>
-          </a:p>
-        </p:txBody>
-      </p:sp>
-      <p:sp>
-        <p:nvSpPr>
-          <p:cNvPr id="8" name="テキスト ボックス 7"/>
-          <p:cNvSpPr txBox="1"/>
-          <p:nvPr/>
-        </p:nvSpPr>
-        <p:spPr>
-          <a:xfrm>
-            <a:off x="336308" y="10362101"/>
-            <a:ext cx="3394113" cy="1754326"/>
-          </a:xfrm>
-          <a:prstGeom prst="rect">
-            <a:avLst/>
-          </a:prstGeom>
-          <a:noFill/>
-        </p:spPr>
-        <p:txBody>
-          <a:bodyPr wrap="square" rtlCol="0">
-            <a:spAutoFit/>
-          </a:bodyPr>
-          <a:lstStyle/>
-          <a:p>
-            <a:r>
-              <a:rPr kumimoji="1" lang="ja-JP" altLang="en-US" sz="4400" b="1" dirty="0">
-                <a:latin typeface="+mj-ea"/>
-                <a:ea typeface="+mj-ea"/>
-              </a:rPr>
-              <a:t>研究方法</a:t>
-            </a:r>
-            <a:endParaRPr kumimoji="1" lang="en-US" altLang="ja-JP" sz="4400" b="1" dirty="0">
-              <a:latin typeface="+mj-ea"/>
-              <a:ea typeface="+mj-ea"/>
-            </a:endParaRPr>
-          </a:p>
-          <a:p>
-            <a:endParaRPr kumimoji="1" lang="ja-JP" altLang="en-US" sz="6000" b="1" dirty="0">
-              <a:solidFill>
-                <a:schemeClr val="accent1">
-                  <a:lumMod val="50000"/>
-                </a:schemeClr>
-              </a:solidFill>
-              <a:latin typeface="+mj-ea"/>
-              <a:ea typeface="+mj-ea"/>
-            </a:endParaRPr>
-          </a:p>
-        </p:txBody>
-      </p:sp>
-      <p:sp>
-        <p:nvSpPr>
-          <p:cNvPr id="4" name="テキスト ボックス 3"/>
-          <p:cNvSpPr txBox="1"/>
-          <p:nvPr/>
-        </p:nvSpPr>
-        <p:spPr>
-          <a:xfrm>
-            <a:off x="321941" y="4838590"/>
-            <a:ext cx="7886997" cy="1754326"/>
-          </a:xfrm>
-          <a:prstGeom prst="rect">
-            <a:avLst/>
-          </a:prstGeom>
-          <a:noFill/>
-        </p:spPr>
-        <p:txBody>
-          <a:bodyPr wrap="square" rtlCol="0">
-            <a:spAutoFit/>
-          </a:bodyPr>
-          <a:lstStyle/>
-          <a:p>
-            <a:r>
-              <a:rPr kumimoji="1" lang="ja-JP" altLang="en-US" sz="3600" dirty="0"/>
-              <a:t>・エンジニアの間で</a:t>
-            </a:r>
-            <a:r>
-              <a:rPr kumimoji="1" lang="en-US" altLang="ja-JP" sz="3600" dirty="0" err="1"/>
-              <a:t>RedPen</a:t>
-            </a:r>
-            <a:r>
-              <a:rPr lang="ja-JP" altLang="en-US" sz="3600" dirty="0"/>
-              <a:t>という静的解析ツールが</a:t>
-            </a:r>
-            <a:r>
-              <a:rPr kumimoji="1" lang="ja-JP" altLang="en-US" sz="3600" dirty="0"/>
-              <a:t>開発され</a:t>
-            </a:r>
-            <a:r>
-              <a:rPr kumimoji="1" lang="en-US" altLang="ja-JP" sz="3600" dirty="0"/>
-              <a:t>,</a:t>
-            </a:r>
-            <a:r>
-              <a:rPr kumimoji="1" lang="ja-JP" altLang="en-US" sz="3600" dirty="0"/>
-              <a:t>日々改良がされている</a:t>
-            </a:r>
-            <a:endParaRPr kumimoji="1" lang="en-US" altLang="ja-JP" sz="3600" dirty="0"/>
-          </a:p>
-        </p:txBody>
-      </p:sp>
-      <p:sp>
-        <p:nvSpPr>
-          <p:cNvPr id="17" name="テキスト ボックス 16"/>
-          <p:cNvSpPr txBox="1"/>
-          <p:nvPr/>
-        </p:nvSpPr>
-        <p:spPr>
-          <a:xfrm>
-            <a:off x="9997805" y="4833151"/>
-            <a:ext cx="7645357" cy="1754326"/>
-          </a:xfrm>
-          <a:prstGeom prst="rect">
-            <a:avLst/>
-          </a:prstGeom>
-          <a:noFill/>
-        </p:spPr>
-        <p:txBody>
-          <a:bodyPr wrap="square" rtlCol="0">
-            <a:spAutoFit/>
-          </a:bodyPr>
-          <a:lstStyle/>
-          <a:p>
-            <a:r>
-              <a:rPr lang="ja-JP" altLang="en-US" sz="3600" dirty="0"/>
-              <a:t>・文書添削を機械化することで</a:t>
-            </a:r>
-            <a:r>
-              <a:rPr lang="en-US" altLang="ja-JP" sz="3600" dirty="0"/>
-              <a:t>,</a:t>
-            </a:r>
-            <a:r>
-              <a:rPr lang="ja-JP" altLang="en-US" sz="3600" dirty="0"/>
-              <a:t>文書作成時間の短縮につなげる</a:t>
-            </a:r>
-            <a:r>
-              <a:rPr lang="en-US" altLang="ja-JP" sz="3600" dirty="0"/>
-              <a:t>.</a:t>
-            </a:r>
-            <a:r>
-              <a:rPr lang="ja-JP" altLang="en-US" sz="3600" dirty="0"/>
-              <a:t>粒度の高い問題に集中できる</a:t>
-            </a:r>
-            <a:endParaRPr lang="en-US" altLang="ja-JP" sz="3600" dirty="0"/>
-          </a:p>
-        </p:txBody>
-      </p:sp>
-      <p:sp>
-        <p:nvSpPr>
-          <p:cNvPr id="22" name="テキスト ボックス 21"/>
-          <p:cNvSpPr txBox="1"/>
-          <p:nvPr/>
-        </p:nvSpPr>
-        <p:spPr>
-          <a:xfrm>
-            <a:off x="366468" y="6765425"/>
-            <a:ext cx="7633440" cy="2092881"/>
-          </a:xfrm>
-          <a:prstGeom prst="rect">
-            <a:avLst/>
-          </a:prstGeom>
-          <a:noFill/>
-        </p:spPr>
-        <p:txBody>
-          <a:bodyPr wrap="square" rtlCol="0">
-            <a:spAutoFit/>
-          </a:bodyPr>
-          <a:lstStyle/>
-          <a:p>
-            <a:r>
-              <a:rPr lang="ja-JP" altLang="en-US" sz="3600" dirty="0"/>
-              <a:t>・</a:t>
-            </a:r>
-            <a:r>
-              <a:rPr lang="en-US" altLang="ja-JP" sz="3600" dirty="0" err="1"/>
-              <a:t>RedPen</a:t>
-            </a:r>
-            <a:r>
-              <a:rPr lang="ja-JP" altLang="en-US" sz="3600" dirty="0"/>
-              <a:t>は自然言語で入力された文書の検査を自動で行うことが出来る</a:t>
-            </a:r>
-            <a:endParaRPr lang="en-US" altLang="ja-JP" sz="3600" dirty="0"/>
-          </a:p>
-          <a:p>
-            <a:endParaRPr kumimoji="1" lang="ja-JP" altLang="en-US" dirty="0"/>
-          </a:p>
-        </p:txBody>
-      </p:sp>
-      <p:sp>
-        <p:nvSpPr>
-          <p:cNvPr id="23" name="テキスト ボックス 22"/>
-          <p:cNvSpPr txBox="1"/>
-          <p:nvPr/>
-        </p:nvSpPr>
-        <p:spPr>
-          <a:xfrm>
-            <a:off x="366468" y="8209445"/>
-            <a:ext cx="7633440" cy="1938992"/>
-          </a:xfrm>
-          <a:prstGeom prst="rect">
-            <a:avLst/>
-          </a:prstGeom>
-          <a:noFill/>
-        </p:spPr>
-        <p:txBody>
-          <a:bodyPr wrap="square" rtlCol="0">
-            <a:spAutoFit/>
-          </a:bodyPr>
-          <a:lstStyle/>
-          <a:p>
-            <a:r>
-              <a:rPr lang="ja-JP" altLang="en-US" sz="4000" dirty="0"/>
-              <a:t>・</a:t>
-            </a:r>
-            <a:r>
-              <a:rPr lang="ja-JP" altLang="en-US" sz="3600" dirty="0"/>
-              <a:t>文書の添削を機械的に行うことで</a:t>
-            </a:r>
-            <a:r>
-              <a:rPr lang="en-US" altLang="ja-JP" sz="3600" dirty="0"/>
-              <a:t>,</a:t>
-            </a:r>
-            <a:r>
-              <a:rPr lang="ja-JP" altLang="en-US" sz="3600" dirty="0"/>
-              <a:t>文書作成の効率が上がると考えた</a:t>
-            </a:r>
-          </a:p>
-          <a:p>
-            <a:endParaRPr kumimoji="1" lang="ja-JP" altLang="en-US" sz="4000" dirty="0"/>
-          </a:p>
-        </p:txBody>
-      </p:sp>
-      <p:sp>
-        <p:nvSpPr>
-          <p:cNvPr id="24" name="テキスト ボックス 23"/>
-          <p:cNvSpPr txBox="1"/>
-          <p:nvPr/>
-        </p:nvSpPr>
-        <p:spPr>
-          <a:xfrm>
-            <a:off x="9997805" y="6596108"/>
-            <a:ext cx="7389968" cy="1200329"/>
-          </a:xfrm>
-          <a:prstGeom prst="rect">
-            <a:avLst/>
-          </a:prstGeom>
-          <a:noFill/>
-        </p:spPr>
-        <p:txBody>
-          <a:bodyPr wrap="square" rtlCol="0">
-            <a:spAutoFit/>
-          </a:bodyPr>
-          <a:lstStyle/>
-          <a:p>
-            <a:r>
-              <a:rPr kumimoji="1" lang="ja-JP" altLang="en-US" sz="3600" dirty="0"/>
-              <a:t>・文中ミスがなるべく少ない状態で書類の提出ができるようにする</a:t>
-            </a:r>
-          </a:p>
-        </p:txBody>
-      </p:sp>
-      <p:sp>
-        <p:nvSpPr>
-          <p:cNvPr id="27" name="テキスト ボックス 26"/>
-          <p:cNvSpPr txBox="1"/>
-          <p:nvPr/>
-        </p:nvSpPr>
-        <p:spPr>
-          <a:xfrm>
-            <a:off x="321941" y="11372193"/>
-            <a:ext cx="7164397" cy="646331"/>
-          </a:xfrm>
-          <a:prstGeom prst="rect">
-            <a:avLst/>
-          </a:prstGeom>
-          <a:noFill/>
-        </p:spPr>
-        <p:txBody>
-          <a:bodyPr wrap="none" rtlCol="0">
-            <a:spAutoFit/>
-          </a:bodyPr>
-          <a:lstStyle/>
-          <a:p>
-            <a:r>
-              <a:rPr kumimoji="1" lang="en-US" altLang="ja-JP" sz="3600" dirty="0"/>
-              <a:t>1.RedPen</a:t>
-            </a:r>
-            <a:r>
-              <a:rPr kumimoji="1" lang="ja-JP" altLang="en-US" sz="3600" dirty="0"/>
-              <a:t>をコマンド上でダウンロード</a:t>
-            </a:r>
-            <a:endParaRPr kumimoji="1" lang="en-US" altLang="ja-JP" sz="3600" dirty="0"/>
-          </a:p>
-        </p:txBody>
-      </p:sp>
-      <p:sp>
-        <p:nvSpPr>
-          <p:cNvPr id="30" name="テキスト ボックス 29"/>
-          <p:cNvSpPr txBox="1"/>
-          <p:nvPr/>
-        </p:nvSpPr>
-        <p:spPr>
-          <a:xfrm>
-            <a:off x="338522" y="12285611"/>
-            <a:ext cx="6668813" cy="646331"/>
-          </a:xfrm>
-          <a:prstGeom prst="rect">
-            <a:avLst/>
-          </a:prstGeom>
-          <a:noFill/>
-        </p:spPr>
-        <p:txBody>
-          <a:bodyPr wrap="none" rtlCol="0">
-            <a:spAutoFit/>
-          </a:bodyPr>
-          <a:lstStyle/>
-          <a:p>
-            <a:r>
-              <a:rPr lang="en-US" altLang="ja-JP" sz="3600" dirty="0"/>
-              <a:t>2</a:t>
-            </a:r>
-            <a:r>
-              <a:rPr kumimoji="1" lang="en-US" altLang="ja-JP" sz="3600" dirty="0"/>
-              <a:t>.</a:t>
-            </a:r>
-            <a:r>
-              <a:rPr lang="ja-JP" altLang="en-US" sz="3600" dirty="0"/>
-              <a:t>ディレクトリ</a:t>
-            </a:r>
-            <a:r>
-              <a:rPr kumimoji="1" lang="ja-JP" altLang="en-US" sz="3600" dirty="0"/>
-              <a:t>管理を</a:t>
-            </a:r>
-            <a:r>
-              <a:rPr lang="en-US" altLang="ja-JP" sz="3600" dirty="0" err="1"/>
-              <a:t>WinSCP</a:t>
-            </a:r>
-            <a:r>
-              <a:rPr lang="ja-JP" altLang="en-US" sz="3600" dirty="0"/>
-              <a:t>で行う</a:t>
-            </a:r>
-            <a:endParaRPr kumimoji="1" lang="ja-JP" altLang="en-US" sz="3600" dirty="0"/>
-          </a:p>
-        </p:txBody>
-      </p:sp>
-      <p:sp>
-        <p:nvSpPr>
-          <p:cNvPr id="31" name="テキスト ボックス 30"/>
-          <p:cNvSpPr txBox="1"/>
-          <p:nvPr/>
-        </p:nvSpPr>
-        <p:spPr>
-          <a:xfrm>
-            <a:off x="371494" y="13173636"/>
-            <a:ext cx="8677247" cy="646331"/>
-          </a:xfrm>
-          <a:prstGeom prst="rect">
-            <a:avLst/>
-          </a:prstGeom>
-          <a:noFill/>
-        </p:spPr>
-        <p:txBody>
-          <a:bodyPr wrap="none" rtlCol="0">
-            <a:spAutoFit/>
-          </a:bodyPr>
-          <a:lstStyle/>
-          <a:p>
-            <a:r>
-              <a:rPr lang="en-US" altLang="ja-JP" sz="3600" dirty="0"/>
-              <a:t>3</a:t>
-            </a:r>
-            <a:r>
-              <a:rPr kumimoji="1" lang="en-US" altLang="ja-JP" sz="3600" dirty="0"/>
-              <a:t>.conf</a:t>
-            </a:r>
-            <a:r>
-              <a:rPr kumimoji="1" lang="ja-JP" altLang="en-US" sz="3600" dirty="0"/>
-              <a:t>ファイル</a:t>
-            </a:r>
-            <a:r>
-              <a:rPr lang="ja-JP" altLang="en-US" sz="3600" dirty="0"/>
-              <a:t>の設定を書き換え</a:t>
-            </a:r>
-            <a:r>
-              <a:rPr lang="en-US" altLang="ja-JP" sz="3600" dirty="0"/>
-              <a:t>,</a:t>
-            </a:r>
-            <a:r>
-              <a:rPr lang="ja-JP" altLang="en-US" sz="3600" dirty="0"/>
-              <a:t>起動させる</a:t>
-            </a:r>
-            <a:endParaRPr kumimoji="1" lang="ja-JP" altLang="en-US" sz="3600" dirty="0"/>
-          </a:p>
-        </p:txBody>
-      </p:sp>
-      <p:sp>
-        <p:nvSpPr>
-          <p:cNvPr id="32" name="テキスト ボックス 31"/>
-          <p:cNvSpPr txBox="1"/>
-          <p:nvPr/>
-        </p:nvSpPr>
-        <p:spPr>
-          <a:xfrm>
-            <a:off x="382785" y="14083084"/>
-            <a:ext cx="8345554" cy="1200329"/>
-          </a:xfrm>
-          <a:prstGeom prst="rect">
-            <a:avLst/>
-          </a:prstGeom>
-          <a:noFill/>
-        </p:spPr>
-        <p:txBody>
-          <a:bodyPr wrap="none" rtlCol="0">
-            <a:spAutoFit/>
-          </a:bodyPr>
-          <a:lstStyle/>
-          <a:p>
-            <a:r>
-              <a:rPr kumimoji="1" lang="en-US" altLang="ja-JP" sz="3600" dirty="0"/>
-              <a:t>4.</a:t>
-            </a:r>
-            <a:r>
-              <a:rPr kumimoji="1" lang="ja-JP" altLang="en-US" sz="3600" dirty="0"/>
-              <a:t>様々なサンプル文</a:t>
-            </a:r>
-            <a:r>
-              <a:rPr kumimoji="1" lang="en-US" altLang="ja-JP" sz="3600" dirty="0"/>
-              <a:t>(</a:t>
-            </a:r>
-            <a:r>
-              <a:rPr kumimoji="1" lang="ja-JP" altLang="en-US" sz="3600" dirty="0"/>
-              <a:t>卒論概要</a:t>
-            </a:r>
-            <a:r>
-              <a:rPr kumimoji="1" lang="en-US" altLang="ja-JP" sz="3600" dirty="0"/>
-              <a:t>,</a:t>
-            </a:r>
-            <a:r>
-              <a:rPr kumimoji="1" lang="ja-JP" altLang="en-US" sz="3600" dirty="0"/>
-              <a:t>書籍文等</a:t>
-            </a:r>
-            <a:r>
-              <a:rPr kumimoji="1" lang="en-US" altLang="ja-JP" sz="3600" dirty="0"/>
-              <a:t>)</a:t>
-            </a:r>
-          </a:p>
-          <a:p>
-            <a:r>
-              <a:rPr kumimoji="1" lang="ja-JP" altLang="en-US" sz="3600" dirty="0"/>
-              <a:t>で動作チェックを行い</a:t>
-            </a:r>
-            <a:r>
-              <a:rPr kumimoji="1" lang="en-US" altLang="ja-JP" sz="3600" dirty="0"/>
-              <a:t>,</a:t>
-            </a:r>
-            <a:r>
-              <a:rPr kumimoji="1" lang="ja-JP" altLang="en-US" sz="3600" dirty="0"/>
-              <a:t>設定</a:t>
-            </a:r>
-            <a:r>
-              <a:rPr lang="ja-JP" altLang="en-US" sz="3600" dirty="0"/>
-              <a:t>を構築する</a:t>
-            </a:r>
-            <a:endParaRPr kumimoji="1" lang="ja-JP" altLang="en-US" sz="3600" dirty="0"/>
-          </a:p>
-        </p:txBody>
-      </p:sp>
-      <p:sp>
-        <p:nvSpPr>
-          <p:cNvPr id="33" name="テキスト ボックス 32"/>
-          <p:cNvSpPr txBox="1"/>
-          <p:nvPr/>
-        </p:nvSpPr>
-        <p:spPr>
-          <a:xfrm>
-            <a:off x="364954" y="17258949"/>
-            <a:ext cx="2441694" cy="769441"/>
-          </a:xfrm>
-          <a:prstGeom prst="rect">
-            <a:avLst/>
-          </a:prstGeom>
-          <a:noFill/>
-        </p:spPr>
-        <p:txBody>
-          <a:bodyPr wrap="none" rtlCol="0">
-            <a:spAutoFit/>
-          </a:bodyPr>
-          <a:lstStyle/>
-          <a:p>
-            <a:r>
-              <a:rPr lang="ja-JP" altLang="en-US" sz="4400" b="1" dirty="0">
-                <a:latin typeface="+mj-ea"/>
-                <a:ea typeface="+mj-ea"/>
-              </a:rPr>
-              <a:t>進捗状況</a:t>
-            </a:r>
-            <a:endParaRPr kumimoji="1" lang="ja-JP" altLang="en-US" sz="4400" b="1" dirty="0">
-              <a:latin typeface="+mj-ea"/>
-              <a:ea typeface="+mj-ea"/>
-            </a:endParaRPr>
-          </a:p>
-        </p:txBody>
-      </p:sp>
-      <p:sp>
-        <p:nvSpPr>
-          <p:cNvPr id="34" name="テキスト ボックス 33"/>
-          <p:cNvSpPr txBox="1"/>
-          <p:nvPr/>
-        </p:nvSpPr>
-        <p:spPr>
-          <a:xfrm>
-            <a:off x="364954" y="15328431"/>
-            <a:ext cx="8683787" cy="1200329"/>
-          </a:xfrm>
-          <a:prstGeom prst="rect">
-            <a:avLst/>
-          </a:prstGeom>
-          <a:noFill/>
-        </p:spPr>
-        <p:txBody>
-          <a:bodyPr wrap="none" rtlCol="0">
-            <a:spAutoFit/>
-          </a:bodyPr>
-          <a:lstStyle/>
-          <a:p>
-            <a:r>
-              <a:rPr lang="en-US" altLang="ja-JP" sz="3600" dirty="0"/>
-              <a:t>5.</a:t>
-            </a:r>
-            <a:r>
-              <a:rPr lang="ja-JP" altLang="en-US" sz="3600" dirty="0"/>
-              <a:t>添削した卒論概要から多かった文書ミスを</a:t>
-            </a:r>
-            <a:endParaRPr lang="en-US" altLang="ja-JP" sz="3600" dirty="0"/>
-          </a:p>
-          <a:p>
-            <a:r>
-              <a:rPr lang="ja-JP" altLang="en-US" sz="3600" dirty="0"/>
-              <a:t>挙げる</a:t>
-            </a:r>
-            <a:endParaRPr kumimoji="1" lang="ja-JP" altLang="en-US" sz="3600" dirty="0"/>
-          </a:p>
-        </p:txBody>
-      </p:sp>
-      <p:sp>
-        <p:nvSpPr>
-          <p:cNvPr id="36" name="テキスト ボックス 35"/>
-          <p:cNvSpPr txBox="1"/>
-          <p:nvPr/>
-        </p:nvSpPr>
-        <p:spPr>
-          <a:xfrm>
-            <a:off x="611720" y="18262648"/>
-            <a:ext cx="8786636" cy="1200329"/>
-          </a:xfrm>
-          <a:prstGeom prst="rect">
-            <a:avLst/>
-          </a:prstGeom>
-          <a:noFill/>
-        </p:spPr>
-        <p:txBody>
-          <a:bodyPr wrap="none" rtlCol="0">
-            <a:spAutoFit/>
-          </a:bodyPr>
-          <a:lstStyle/>
-          <a:p>
-            <a:r>
-              <a:rPr lang="ja-JP" altLang="en-US" sz="3600" dirty="0"/>
-              <a:t>・以下のサンプル文を</a:t>
-            </a:r>
-            <a:r>
-              <a:rPr lang="en-US" altLang="ja-JP" sz="3600" dirty="0" err="1"/>
-              <a:t>RedPen</a:t>
-            </a:r>
-            <a:r>
-              <a:rPr lang="ja-JP" altLang="en-US" sz="3600" dirty="0"/>
-              <a:t>にかけたところ</a:t>
-            </a:r>
-            <a:r>
-              <a:rPr lang="en-US" altLang="ja-JP" sz="3600" dirty="0"/>
-              <a:t>,</a:t>
-            </a:r>
-          </a:p>
-          <a:p>
-            <a:r>
-              <a:rPr lang="en-US" altLang="ja-JP" sz="3600" dirty="0"/>
-              <a:t>3</a:t>
-            </a:r>
-            <a:r>
-              <a:rPr lang="ja-JP" altLang="en-US" sz="3600" dirty="0"/>
-              <a:t>件の文中ミスを検知した</a:t>
-            </a:r>
-            <a:endParaRPr kumimoji="1" lang="ja-JP" altLang="en-US" sz="3600" dirty="0"/>
-          </a:p>
-        </p:txBody>
-      </p:sp>
-      <p:sp>
-        <p:nvSpPr>
-          <p:cNvPr id="37" name="テキスト ボックス 36"/>
-          <p:cNvSpPr txBox="1"/>
-          <p:nvPr/>
-        </p:nvSpPr>
-        <p:spPr>
-          <a:xfrm>
-            <a:off x="989650" y="19497662"/>
-            <a:ext cx="8842611" cy="4832092"/>
-          </a:xfrm>
-          <a:prstGeom prst="rect">
-            <a:avLst/>
-          </a:prstGeom>
-          <a:noFill/>
-        </p:spPr>
-        <p:txBody>
-          <a:bodyPr wrap="square" rtlCol="0">
-            <a:spAutoFit/>
-          </a:bodyPr>
-          <a:lstStyle/>
-          <a:p>
-            <a:r>
-              <a:rPr lang="ja-JP" altLang="en-US" sz="2800" i="1" dirty="0"/>
-              <a:t>最近利用されているソフトウェアの中には複数の計算機上で動作（分散）するものが多く存在し、</a:t>
-            </a:r>
-            <a:endParaRPr lang="en-US" altLang="ja-JP" sz="2800" i="1" dirty="0"/>
-          </a:p>
-          <a:p>
-            <a:r>
-              <a:rPr lang="ja-JP" altLang="en-US" sz="2800" i="1" dirty="0"/>
-              <a:t>このような分散ソフトウェアは複数の計算機で動作することで大量のデータを扱えたり，高負荷な状況に対処できたりします。</a:t>
-            </a:r>
-            <a:endParaRPr lang="en-US" altLang="ja-JP" sz="2800" i="1" dirty="0"/>
-          </a:p>
-          <a:p>
-            <a:r>
-              <a:rPr lang="ja-JP" altLang="en-US" sz="2800" i="1" dirty="0"/>
-              <a:t> 本稿では</a:t>
-            </a:r>
-            <a:r>
-              <a:rPr lang="en-US" altLang="ja-JP" sz="2800" i="1" dirty="0"/>
-              <a:t>,</a:t>
-            </a:r>
-            <a:r>
-              <a:rPr lang="ja-JP" altLang="en-US" sz="2800" i="1" dirty="0"/>
-              <a:t>複数の計算機（クラスタ</a:t>
-            </a:r>
-            <a:r>
-              <a:rPr lang="ja-JP" altLang="en-US" sz="2800" i="1" dirty="0" err="1"/>
-              <a:t>）でで動作</a:t>
-            </a:r>
-            <a:r>
-              <a:rPr lang="ja-JP" altLang="en-US" sz="2800" i="1" dirty="0"/>
-              <a:t>する各サーバーを「インスタンス」と呼びまます。 </a:t>
-            </a:r>
-            <a:endParaRPr lang="en-US" altLang="ja-JP" sz="2800" i="1" dirty="0"/>
-          </a:p>
-          <a:p>
-            <a:r>
-              <a:rPr lang="ja-JP" altLang="en-US" sz="2800" i="1" dirty="0"/>
-              <a:t>たとえば検索エンジンやデータベースではインデックスを複数のインスタンスで分割して保持します。 </a:t>
-            </a:r>
-            <a:endParaRPr lang="en-US" altLang="ja-JP" sz="2800" i="1" dirty="0"/>
-          </a:p>
-          <a:p>
-            <a:r>
-              <a:rPr lang="ja-JP" altLang="en-US" sz="2800" i="1" dirty="0"/>
-              <a:t>このような場合、各インデクスの結果をマージして</a:t>
-            </a:r>
-            <a:r>
-              <a:rPr lang="en-US" altLang="ja-JP" sz="2800" i="1" dirty="0"/>
-              <a:t>client</a:t>
-            </a:r>
-            <a:r>
-              <a:rPr lang="ja-JP" altLang="en-US" sz="2800" i="1" dirty="0"/>
-              <a:t>プログラムに渡す機構が必要となります。</a:t>
-            </a:r>
-            <a:endParaRPr kumimoji="1" lang="ja-JP" altLang="en-US" sz="2800" dirty="0"/>
-          </a:p>
-        </p:txBody>
-      </p:sp>
-      <p:sp>
-        <p:nvSpPr>
-          <p:cNvPr id="41" name="テキスト ボックス 40"/>
-          <p:cNvSpPr txBox="1"/>
-          <p:nvPr/>
-        </p:nvSpPr>
-        <p:spPr>
-          <a:xfrm>
-            <a:off x="476371" y="29059309"/>
-            <a:ext cx="9464258" cy="1200329"/>
-          </a:xfrm>
-          <a:prstGeom prst="rect">
-            <a:avLst/>
-          </a:prstGeom>
-          <a:noFill/>
-        </p:spPr>
-        <p:txBody>
-          <a:bodyPr wrap="none" rtlCol="0">
-            <a:spAutoFit/>
-          </a:bodyPr>
-          <a:lstStyle/>
-          <a:p>
-            <a:r>
-              <a:rPr lang="ja-JP" altLang="en-US" sz="3600" dirty="0"/>
-              <a:t>・</a:t>
-            </a:r>
-            <a:r>
-              <a:rPr lang="en-US" altLang="ja-JP" sz="3600" dirty="0"/>
-              <a:t>[</a:t>
-            </a:r>
-            <a:r>
-              <a:rPr lang="en-US" altLang="ja-JP" sz="3600" dirty="0" err="1"/>
-              <a:t>SentenceLength</a:t>
-            </a:r>
-            <a:r>
-              <a:rPr lang="en-US" altLang="ja-JP" sz="3600" dirty="0"/>
-              <a:t>]</a:t>
-            </a:r>
-            <a:r>
-              <a:rPr lang="ja-JP" altLang="en-US" sz="3600" dirty="0"/>
-              <a:t>文長</a:t>
-            </a:r>
-            <a:r>
-              <a:rPr lang="en-US" altLang="ja-JP" sz="3600" dirty="0"/>
-              <a:t>(101)</a:t>
-            </a:r>
-            <a:r>
-              <a:rPr lang="ja-JP" altLang="en-US" sz="3600" dirty="0"/>
-              <a:t>が最大値の</a:t>
-            </a:r>
-            <a:r>
-              <a:rPr lang="en-US" altLang="ja-JP" sz="3600" dirty="0"/>
-              <a:t>100</a:t>
-            </a:r>
-            <a:r>
-              <a:rPr lang="ja-JP" altLang="en-US" sz="3600" dirty="0" err="1"/>
-              <a:t>を超</a:t>
-            </a:r>
-            <a:endParaRPr lang="en-US" altLang="ja-JP" sz="3600" dirty="0"/>
-          </a:p>
-          <a:p>
-            <a:r>
-              <a:rPr lang="ja-JP" altLang="en-US" sz="3600" dirty="0"/>
-              <a:t>えている</a:t>
-            </a:r>
-            <a:endParaRPr kumimoji="1" lang="ja-JP" altLang="en-US" sz="3600" dirty="0"/>
-          </a:p>
-        </p:txBody>
-      </p:sp>
-      <p:sp>
-        <p:nvSpPr>
-          <p:cNvPr id="42" name="テキスト ボックス 41"/>
-          <p:cNvSpPr txBox="1"/>
-          <p:nvPr/>
-        </p:nvSpPr>
-        <p:spPr>
-          <a:xfrm>
-            <a:off x="476371" y="27908930"/>
-            <a:ext cx="9314088" cy="1200329"/>
-          </a:xfrm>
-          <a:prstGeom prst="rect">
-            <a:avLst/>
-          </a:prstGeom>
-          <a:noFill/>
-        </p:spPr>
-        <p:txBody>
-          <a:bodyPr wrap="none" rtlCol="0">
-            <a:spAutoFit/>
-          </a:bodyPr>
-          <a:lstStyle/>
-          <a:p>
-            <a:r>
-              <a:rPr kumimoji="1" lang="ja-JP" altLang="en-US" sz="3600" dirty="0"/>
-              <a:t>・</a:t>
-            </a:r>
-            <a:r>
-              <a:rPr kumimoji="1" lang="en-US" altLang="ja-JP" sz="3600" dirty="0"/>
-              <a:t>[</a:t>
-            </a:r>
-            <a:r>
-              <a:rPr kumimoji="1" lang="en-US" altLang="ja-JP" sz="3600" dirty="0" err="1"/>
-              <a:t>SuccessiveWord</a:t>
-            </a:r>
-            <a:r>
-              <a:rPr lang="en-US" altLang="ja-JP" sz="3600" dirty="0"/>
-              <a:t>]</a:t>
-            </a:r>
-            <a:r>
-              <a:rPr lang="ja-JP" altLang="en-US" sz="3600" dirty="0"/>
-              <a:t>単語</a:t>
-            </a:r>
-            <a:r>
-              <a:rPr lang="en-US" altLang="ja-JP" sz="3600" dirty="0"/>
-              <a:t>”</a:t>
-            </a:r>
-            <a:r>
-              <a:rPr lang="ja-JP" altLang="en-US" sz="3600" dirty="0"/>
-              <a:t>で</a:t>
-            </a:r>
-            <a:r>
-              <a:rPr lang="en-US" altLang="ja-JP" sz="3600" dirty="0"/>
-              <a:t>”</a:t>
-            </a:r>
-            <a:r>
-              <a:rPr lang="ja-JP" altLang="en-US" sz="3600" dirty="0"/>
-              <a:t>が</a:t>
-            </a:r>
-            <a:r>
-              <a:rPr lang="en-US" altLang="ja-JP" sz="3600" dirty="0"/>
-              <a:t>2</a:t>
-            </a:r>
-            <a:r>
-              <a:rPr lang="ja-JP" altLang="en-US" sz="3600" dirty="0"/>
-              <a:t>回連続で使われ</a:t>
-            </a:r>
-            <a:endParaRPr lang="en-US" altLang="ja-JP" sz="3600" dirty="0"/>
-          </a:p>
-          <a:p>
-            <a:r>
-              <a:rPr lang="ja-JP" altLang="en-US" sz="3600" dirty="0"/>
-              <a:t>ている</a:t>
-            </a:r>
-            <a:endParaRPr kumimoji="1" lang="ja-JP" altLang="en-US" sz="3600" dirty="0"/>
-          </a:p>
-        </p:txBody>
-      </p:sp>
-      <p:sp>
-        <p:nvSpPr>
-          <p:cNvPr id="43" name="テキスト ボックス 42"/>
-          <p:cNvSpPr txBox="1"/>
-          <p:nvPr/>
-        </p:nvSpPr>
-        <p:spPr>
-          <a:xfrm>
-            <a:off x="483021" y="26764063"/>
-            <a:ext cx="9514784" cy="1200329"/>
-          </a:xfrm>
-          <a:prstGeom prst="rect">
-            <a:avLst/>
-          </a:prstGeom>
-          <a:noFill/>
-        </p:spPr>
-        <p:txBody>
-          <a:bodyPr wrap="none" rtlCol="0">
-            <a:spAutoFit/>
-          </a:bodyPr>
-          <a:lstStyle/>
-          <a:p>
-            <a:r>
-              <a:rPr kumimoji="1" lang="ja-JP" altLang="en-US" sz="3600" dirty="0"/>
-              <a:t>・</a:t>
-            </a:r>
-            <a:r>
-              <a:rPr kumimoji="1" lang="en-US" altLang="ja-JP" sz="3600" dirty="0"/>
-              <a:t>[</a:t>
-            </a:r>
-            <a:r>
-              <a:rPr kumimoji="1" lang="en-US" altLang="ja-JP" sz="3600" dirty="0" err="1"/>
-              <a:t>KatakanaEndHyphen</a:t>
-            </a:r>
-            <a:r>
-              <a:rPr kumimoji="1" lang="en-US" altLang="ja-JP" sz="3600" dirty="0"/>
-              <a:t>]”</a:t>
-            </a:r>
-            <a:r>
-              <a:rPr kumimoji="1" lang="ja-JP" altLang="en-US" sz="3600" dirty="0"/>
-              <a:t>サーバー</a:t>
-            </a:r>
-            <a:r>
-              <a:rPr kumimoji="1" lang="en-US" altLang="ja-JP" sz="3600" dirty="0"/>
-              <a:t>”</a:t>
-            </a:r>
-            <a:r>
-              <a:rPr kumimoji="1" lang="ja-JP" altLang="en-US" sz="3600" dirty="0"/>
-              <a:t>ではな</a:t>
-            </a:r>
-            <a:r>
-              <a:rPr lang="ja-JP" altLang="en-US" sz="3600" dirty="0"/>
-              <a:t>く</a:t>
-            </a:r>
-            <a:r>
-              <a:rPr lang="en-US" altLang="ja-JP" sz="3600" dirty="0"/>
-              <a:t>,”</a:t>
-            </a:r>
-            <a:r>
-              <a:rPr lang="ja-JP" altLang="en-US" sz="3600" dirty="0"/>
-              <a:t>サー</a:t>
-            </a:r>
-            <a:endParaRPr lang="en-US" altLang="ja-JP" sz="3600" dirty="0"/>
-          </a:p>
-          <a:p>
-            <a:r>
-              <a:rPr lang="ja-JP" altLang="en-US" sz="3600" dirty="0"/>
-              <a:t>バ</a:t>
-            </a:r>
-            <a:r>
-              <a:rPr lang="en-US" altLang="ja-JP" sz="3600" dirty="0"/>
-              <a:t>”</a:t>
-            </a:r>
-            <a:r>
-              <a:rPr lang="ja-JP" altLang="en-US" sz="3600" dirty="0"/>
-              <a:t>がここでは相応しい</a:t>
-            </a:r>
-            <a:endParaRPr kumimoji="1" lang="ja-JP" altLang="en-US" sz="3600" dirty="0"/>
-          </a:p>
-        </p:txBody>
-      </p:sp>
       <p:pic>
         <p:nvPicPr>
-          <p:cNvPr id="2" name="図 1"/>
+          <p:cNvPr id="61" name="図 60"/>
           <p:cNvPicPr>
             <a:picLocks noChangeAspect="1"/>
           </p:cNvPicPr>
@@ -5182,460 +3748,23 @@
         </p:blipFill>
         <p:spPr>
           <a:xfrm>
-            <a:off x="953039" y="24512539"/>
-            <a:ext cx="8879222" cy="1589270"/>
+            <a:off x="6009767" y="5714293"/>
+            <a:ext cx="4635367" cy="2448443"/>
           </a:xfrm>
           <a:prstGeom prst="rect">
             <a:avLst/>
           </a:prstGeom>
         </p:spPr>
       </p:pic>
-      <p:sp>
-        <p:nvSpPr>
-          <p:cNvPr id="29" name="テキスト ボックス 28"/>
-          <p:cNvSpPr txBox="1"/>
-          <p:nvPr/>
-        </p:nvSpPr>
-        <p:spPr>
-          <a:xfrm>
-            <a:off x="10258737" y="18262648"/>
-            <a:ext cx="6441187" cy="646331"/>
-          </a:xfrm>
-          <a:prstGeom prst="rect">
-            <a:avLst/>
-          </a:prstGeom>
-          <a:noFill/>
-        </p:spPr>
-        <p:txBody>
-          <a:bodyPr wrap="none" rtlCol="0">
-            <a:spAutoFit/>
-          </a:bodyPr>
-          <a:lstStyle/>
-          <a:p>
-            <a:r>
-              <a:rPr kumimoji="1" lang="ja-JP" altLang="en-US" sz="3600" dirty="0"/>
-              <a:t>・卒論</a:t>
-            </a:r>
-            <a:r>
-              <a:rPr lang="ja-JP" altLang="en-US" sz="3600" dirty="0"/>
-              <a:t>概要</a:t>
-            </a:r>
-            <a:r>
-              <a:rPr kumimoji="1" lang="en-US" altLang="ja-JP" sz="3600" dirty="0"/>
-              <a:t>9</a:t>
-            </a:r>
-            <a:r>
-              <a:rPr kumimoji="1" lang="ja-JP" altLang="en-US" sz="3600" dirty="0"/>
-              <a:t>人分を添削した結果</a:t>
-            </a:r>
-          </a:p>
-        </p:txBody>
-      </p:sp>
-      <p:sp>
-        <p:nvSpPr>
-          <p:cNvPr id="35" name="テキスト ボックス 34"/>
-          <p:cNvSpPr txBox="1"/>
-          <p:nvPr/>
-        </p:nvSpPr>
-        <p:spPr>
-          <a:xfrm>
-            <a:off x="10484494" y="19462977"/>
-            <a:ext cx="10730951" cy="646331"/>
-          </a:xfrm>
-          <a:prstGeom prst="rect">
-            <a:avLst/>
-          </a:prstGeom>
-          <a:noFill/>
-        </p:spPr>
-        <p:txBody>
-          <a:bodyPr wrap="none" rtlCol="0">
-            <a:spAutoFit/>
-          </a:bodyPr>
-          <a:lstStyle/>
-          <a:p>
-            <a:r>
-              <a:rPr lang="ja-JP" altLang="en-US" sz="3600" dirty="0"/>
-              <a:t>・</a:t>
-            </a:r>
-            <a:r>
-              <a:rPr lang="en-US" altLang="ja-JP" sz="3600" dirty="0"/>
-              <a:t>[</a:t>
-            </a:r>
-            <a:r>
-              <a:rPr lang="en-US" altLang="ja-JP" sz="3600" dirty="0" err="1"/>
-              <a:t>KatakanaEndHyphen</a:t>
-            </a:r>
-            <a:r>
-              <a:rPr lang="en-US" altLang="ja-JP" sz="3600" dirty="0"/>
-              <a:t>]</a:t>
-            </a:r>
-            <a:r>
-              <a:rPr lang="ja-JP" altLang="en-US" sz="3600" dirty="0"/>
-              <a:t>「ユーザー」の単語が検出される</a:t>
-            </a:r>
-            <a:endParaRPr lang="en-US" altLang="ja-JP" sz="3600" dirty="0"/>
-          </a:p>
-        </p:txBody>
-      </p:sp>
-      <p:sp>
-        <p:nvSpPr>
-          <p:cNvPr id="38" name="テキスト ボックス 37"/>
-          <p:cNvSpPr txBox="1"/>
-          <p:nvPr/>
-        </p:nvSpPr>
-        <p:spPr>
-          <a:xfrm>
-            <a:off x="10484494" y="20126571"/>
-            <a:ext cx="10545194" cy="1200329"/>
-          </a:xfrm>
-          <a:prstGeom prst="rect">
-            <a:avLst/>
-          </a:prstGeom>
-          <a:noFill/>
-        </p:spPr>
-        <p:txBody>
-          <a:bodyPr wrap="none" rtlCol="0">
-            <a:spAutoFit/>
-          </a:bodyPr>
-          <a:lstStyle/>
-          <a:p>
-            <a:r>
-              <a:rPr lang="ja-JP" altLang="en-US" sz="3600" dirty="0"/>
-              <a:t>・</a:t>
-            </a:r>
-            <a:r>
-              <a:rPr lang="en-US" altLang="ja-JP" sz="3600" dirty="0"/>
-              <a:t>[</a:t>
-            </a:r>
-            <a:r>
-              <a:rPr lang="en-US" altLang="ja-JP" sz="3600" dirty="0" err="1"/>
-              <a:t>JapaneseNumberExpression</a:t>
-            </a:r>
-            <a:r>
-              <a:rPr lang="en-US" altLang="ja-JP" sz="3600" dirty="0"/>
-              <a:t>]</a:t>
-            </a:r>
-            <a:r>
-              <a:rPr lang="ja-JP" altLang="en-US" sz="3600" dirty="0"/>
-              <a:t>「一つ・二つ」</a:t>
-            </a:r>
-            <a:r>
-              <a:rPr lang="en-US" altLang="ja-JP" sz="3600" dirty="0"/>
-              <a:t>,</a:t>
-            </a:r>
-            <a:r>
-              <a:rPr lang="ja-JP" altLang="en-US" sz="3600" dirty="0"/>
-              <a:t>「１つ・２つ</a:t>
-            </a:r>
-            <a:endParaRPr lang="en-US" altLang="ja-JP" sz="3600" dirty="0"/>
-          </a:p>
-          <a:p>
-            <a:r>
-              <a:rPr lang="ja-JP" altLang="en-US" sz="3600" dirty="0"/>
-              <a:t>」と</a:t>
-            </a:r>
-            <a:r>
-              <a:rPr kumimoji="1" lang="ja-JP" altLang="en-US" sz="3600" dirty="0"/>
-              <a:t>文中の数値表記</a:t>
-            </a:r>
-            <a:r>
-              <a:rPr lang="ja-JP" altLang="en-US" sz="3600" dirty="0"/>
-              <a:t>が統一されていない</a:t>
-            </a:r>
-            <a:endParaRPr kumimoji="1" lang="ja-JP" altLang="en-US" sz="3600" dirty="0"/>
-          </a:p>
-        </p:txBody>
-      </p:sp>
-      <p:sp>
-        <p:nvSpPr>
-          <p:cNvPr id="40" name="テキスト ボックス 39"/>
-          <p:cNvSpPr txBox="1"/>
-          <p:nvPr/>
-        </p:nvSpPr>
-        <p:spPr>
-          <a:xfrm>
-            <a:off x="10484494" y="21326900"/>
-            <a:ext cx="10812575" cy="2308324"/>
-          </a:xfrm>
-          <a:prstGeom prst="rect">
-            <a:avLst/>
-          </a:prstGeom>
-          <a:noFill/>
-        </p:spPr>
-        <p:txBody>
-          <a:bodyPr wrap="none" rtlCol="0">
-            <a:spAutoFit/>
-          </a:bodyPr>
-          <a:lstStyle/>
-          <a:p>
-            <a:r>
-              <a:rPr lang="ja-JP" altLang="en-US" sz="3600" dirty="0"/>
-              <a:t>・</a:t>
-            </a:r>
-            <a:r>
-              <a:rPr lang="en-US" altLang="ja-JP" sz="3600" dirty="0"/>
-              <a:t> [</a:t>
-            </a:r>
-            <a:r>
-              <a:rPr lang="en-US" altLang="ja-JP" sz="3600" dirty="0" err="1"/>
-              <a:t>JapaneseAmbiguousNounConjunction</a:t>
-            </a:r>
-            <a:r>
-              <a:rPr lang="en-US" altLang="ja-JP" sz="3600" dirty="0"/>
-              <a:t>]</a:t>
-            </a:r>
-          </a:p>
-          <a:p>
-            <a:r>
-              <a:rPr lang="ja-JP" altLang="en-US" sz="3600" dirty="0"/>
-              <a:t>助詞の「の」が連続している</a:t>
-            </a:r>
-            <a:r>
-              <a:rPr lang="en-US" altLang="ja-JP" sz="3600" dirty="0"/>
-              <a:t>.</a:t>
-            </a:r>
-            <a:r>
-              <a:rPr lang="ja-JP" altLang="en-US" sz="3600" dirty="0"/>
-              <a:t> 「</a:t>
-            </a:r>
-            <a:r>
-              <a:rPr lang="en-US" altLang="ja-JP" sz="3600" dirty="0"/>
-              <a:t>...*</a:t>
-            </a:r>
-            <a:r>
-              <a:rPr lang="ja-JP" altLang="en-US" sz="3600" dirty="0"/>
-              <a:t>の見出しのレベル</a:t>
-            </a:r>
-            <a:r>
-              <a:rPr lang="en-US" altLang="ja-JP" sz="3600" dirty="0"/>
-              <a:t>...</a:t>
-            </a:r>
-            <a:r>
-              <a:rPr lang="ja-JP" altLang="en-US" sz="3600" dirty="0"/>
-              <a:t>」</a:t>
-            </a:r>
-            <a:endParaRPr lang="en-US" altLang="ja-JP" sz="3600" dirty="0"/>
-          </a:p>
-          <a:p>
-            <a:r>
-              <a:rPr lang="ja-JP" altLang="en-US" sz="3600" dirty="0"/>
-              <a:t>や「</a:t>
-            </a:r>
-            <a:r>
-              <a:rPr lang="en-US" altLang="ja-JP" sz="3600" dirty="0"/>
-              <a:t>...</a:t>
-            </a:r>
-            <a:r>
-              <a:rPr lang="ja-JP" altLang="en-US" sz="3600" dirty="0"/>
-              <a:t>個別の情報の相互運用性</a:t>
-            </a:r>
-            <a:r>
-              <a:rPr lang="en-US" altLang="ja-JP" sz="3600" dirty="0"/>
-              <a:t>...</a:t>
-            </a:r>
-            <a:r>
-              <a:rPr lang="ja-JP" altLang="en-US" sz="3600" dirty="0"/>
-              <a:t>」など</a:t>
-            </a:r>
-            <a:r>
-              <a:rPr lang="en-US" altLang="ja-JP" sz="3600" dirty="0"/>
-              <a:t>,</a:t>
-            </a:r>
-            <a:r>
-              <a:rPr lang="ja-JP" altLang="en-US" sz="3600" dirty="0"/>
-              <a:t>このエラー文が</a:t>
-            </a:r>
-            <a:endParaRPr lang="en-US" altLang="ja-JP" sz="3600" dirty="0"/>
-          </a:p>
-          <a:p>
-            <a:r>
-              <a:rPr lang="ja-JP" altLang="en-US" sz="3600" dirty="0"/>
-              <a:t>最も多かった</a:t>
-            </a:r>
-            <a:r>
-              <a:rPr lang="en-US" altLang="ja-JP" sz="3600" dirty="0"/>
-              <a:t>.</a:t>
-            </a:r>
-          </a:p>
-        </p:txBody>
-      </p:sp>
-      <p:sp>
-        <p:nvSpPr>
-          <p:cNvPr id="44" name="テキスト ボックス 43"/>
-          <p:cNvSpPr txBox="1"/>
-          <p:nvPr/>
-        </p:nvSpPr>
-        <p:spPr>
-          <a:xfrm>
-            <a:off x="9997805" y="24741944"/>
-            <a:ext cx="3005951" cy="769441"/>
-          </a:xfrm>
-          <a:prstGeom prst="rect">
-            <a:avLst/>
-          </a:prstGeom>
-          <a:noFill/>
-        </p:spPr>
-        <p:txBody>
-          <a:bodyPr wrap="none" rtlCol="0">
-            <a:spAutoFit/>
-          </a:bodyPr>
-          <a:lstStyle/>
-          <a:p>
-            <a:r>
-              <a:rPr lang="ja-JP" altLang="en-US" sz="4400" b="1" dirty="0"/>
-              <a:t>今後の計画</a:t>
-            </a:r>
-            <a:endParaRPr kumimoji="1" lang="ja-JP" altLang="en-US" sz="4400" b="1" dirty="0"/>
-          </a:p>
-        </p:txBody>
-      </p:sp>
-      <p:sp>
-        <p:nvSpPr>
-          <p:cNvPr id="45" name="テキスト ボックス 44"/>
-          <p:cNvSpPr txBox="1"/>
-          <p:nvPr/>
-        </p:nvSpPr>
-        <p:spPr>
-          <a:xfrm>
-            <a:off x="10693400" y="25704807"/>
-            <a:ext cx="10604185" cy="3970318"/>
-          </a:xfrm>
-          <a:prstGeom prst="rect">
-            <a:avLst/>
-          </a:prstGeom>
-          <a:noFill/>
-        </p:spPr>
-        <p:txBody>
-          <a:bodyPr wrap="none" rtlCol="0">
-            <a:spAutoFit/>
-          </a:bodyPr>
-          <a:lstStyle/>
-          <a:p>
-            <a:r>
-              <a:rPr kumimoji="1" lang="ja-JP" altLang="en-US" sz="3600" dirty="0"/>
-              <a:t>・</a:t>
-            </a:r>
-            <a:r>
-              <a:rPr kumimoji="1" lang="en-US" altLang="ja-JP" sz="3600" dirty="0" err="1"/>
-              <a:t>RedPen</a:t>
-            </a:r>
-            <a:r>
-              <a:rPr kumimoji="1" lang="ja-JP" altLang="en-US" sz="3600" dirty="0"/>
-              <a:t>の設定を行い</a:t>
-            </a:r>
-            <a:r>
-              <a:rPr kumimoji="1" lang="en-US" altLang="ja-JP" sz="3600" dirty="0"/>
-              <a:t>,</a:t>
-            </a:r>
-            <a:r>
-              <a:rPr kumimoji="1" lang="ja-JP" altLang="en-US" sz="3600" dirty="0"/>
-              <a:t>文書を添削することに成功</a:t>
-            </a:r>
-            <a:endParaRPr kumimoji="1" lang="en-US" altLang="ja-JP" sz="3600" dirty="0"/>
-          </a:p>
-          <a:p>
-            <a:r>
-              <a:rPr lang="ja-JP" altLang="en-US" sz="3600" dirty="0"/>
-              <a:t>したが</a:t>
-            </a:r>
-            <a:r>
-              <a:rPr lang="en-US" altLang="ja-JP" sz="3600" dirty="0"/>
-              <a:t>,</a:t>
-            </a:r>
-            <a:r>
-              <a:rPr lang="ja-JP" altLang="en-US" sz="3600" dirty="0"/>
-              <a:t>中には添削されなかったミスや</a:t>
-            </a:r>
-            <a:r>
-              <a:rPr lang="en-US" altLang="ja-JP" sz="3600" dirty="0"/>
-              <a:t>,</a:t>
-            </a:r>
-            <a:r>
-              <a:rPr lang="ja-JP" altLang="en-US" sz="3600" dirty="0"/>
-              <a:t>必要では</a:t>
-            </a:r>
-            <a:r>
-              <a:rPr lang="ja-JP" altLang="en-US" sz="3600" dirty="0" err="1"/>
-              <a:t>な</a:t>
-            </a:r>
-            <a:endParaRPr lang="en-US" altLang="ja-JP" sz="3600" dirty="0"/>
-          </a:p>
-          <a:p>
-            <a:r>
-              <a:rPr lang="ja-JP" altLang="en-US" sz="3600" dirty="0"/>
-              <a:t>いミスが検知されたので</a:t>
-            </a:r>
-            <a:r>
-              <a:rPr lang="en-US" altLang="ja-JP" sz="3600" dirty="0"/>
-              <a:t>,</a:t>
-            </a:r>
-            <a:r>
-              <a:rPr lang="ja-JP" altLang="en-US" sz="3600" dirty="0"/>
-              <a:t>設定がまだまだな部分が</a:t>
-            </a:r>
-            <a:endParaRPr lang="en-US" altLang="ja-JP" sz="3600" dirty="0"/>
-          </a:p>
-          <a:p>
-            <a:r>
-              <a:rPr lang="ja-JP" altLang="en-US" sz="3600" dirty="0"/>
-              <a:t>あった</a:t>
-            </a:r>
-            <a:r>
-              <a:rPr lang="en-US" altLang="ja-JP" sz="3600" dirty="0"/>
-              <a:t>.</a:t>
-            </a:r>
-          </a:p>
-          <a:p>
-            <a:r>
-              <a:rPr lang="ja-JP" altLang="en-US" sz="3600" dirty="0"/>
-              <a:t>今回の設定を見直し</a:t>
-            </a:r>
-            <a:r>
-              <a:rPr lang="en-US" altLang="ja-JP" sz="3600" dirty="0"/>
-              <a:t>,</a:t>
-            </a:r>
-            <a:r>
-              <a:rPr lang="ja-JP" altLang="en-US" sz="3600" dirty="0"/>
-              <a:t>より精度の高い文書添削ツール</a:t>
-            </a:r>
-            <a:endParaRPr lang="en-US" altLang="ja-JP" sz="3600" dirty="0"/>
-          </a:p>
-          <a:p>
-            <a:r>
-              <a:rPr lang="ja-JP" altLang="en-US" sz="3600" dirty="0"/>
-              <a:t>を開発した上で</a:t>
-            </a:r>
-            <a:r>
-              <a:rPr lang="en-US" altLang="ja-JP" sz="3600" dirty="0"/>
-              <a:t>,</a:t>
-            </a:r>
-            <a:r>
-              <a:rPr lang="ja-JP" altLang="en-US" sz="3600" dirty="0"/>
-              <a:t>文書の質や書く時間がどう変化したか</a:t>
-            </a:r>
-            <a:endParaRPr lang="en-US" altLang="ja-JP" sz="3600" dirty="0"/>
-          </a:p>
-          <a:p>
-            <a:r>
-              <a:rPr lang="ja-JP" altLang="en-US" sz="3600" dirty="0"/>
-              <a:t>まとめていきたい</a:t>
-            </a:r>
-            <a:r>
-              <a:rPr lang="en-US" altLang="ja-JP" sz="3600" dirty="0"/>
-              <a:t>.</a:t>
-            </a:r>
-          </a:p>
-        </p:txBody>
-      </p:sp>
       <p:pic>
         <p:nvPicPr>
-          <p:cNvPr id="5" name="図 4"/>
+          <p:cNvPr id="62" name="図 61"/>
           <p:cNvPicPr>
             <a:picLocks noChangeAspect="1"/>
           </p:cNvPicPr>
           <p:nvPr/>
         </p:nvPicPr>
-        <p:blipFill rotWithShape="1">
+        <p:blipFill>
           <a:blip r:embed="rId4">
             <a:extLst>
               <a:ext uri="{28A0092B-C50C-407E-A947-70E740481C1C}">
@@ -5643,27 +3772,158 @@
               </a:ext>
             </a:extLst>
           </a:blip>
-          <a:srcRect r="17398"/>
-          <a:stretch/>
+          <a:stretch>
+            <a:fillRect/>
+          </a:stretch>
         </p:blipFill>
         <p:spPr>
           <a:xfrm>
-            <a:off x="15095950" y="10362101"/>
-            <a:ext cx="5960784" cy="7128000"/>
+            <a:off x="7574556" y="6908617"/>
+            <a:ext cx="3767814" cy="2658446"/>
           </a:xfrm>
           <a:prstGeom prst="rect">
             <a:avLst/>
           </a:prstGeom>
-          <a:ln w="9525">
-            <a:solidFill>
-              <a:schemeClr val="tx1"/>
-            </a:solidFill>
-          </a:ln>
         </p:spPr>
       </p:pic>
+      <p:sp>
+        <p:nvSpPr>
+          <p:cNvPr id="20" name="正方形/長方形 19"/>
+          <p:cNvSpPr/>
+          <p:nvPr/>
+        </p:nvSpPr>
+        <p:spPr>
+          <a:xfrm>
+            <a:off x="-1" y="-1"/>
+            <a:ext cx="21386801" cy="3113175"/>
+          </a:xfrm>
+          <a:prstGeom prst="rect">
+            <a:avLst/>
+          </a:prstGeom>
+          <a:solidFill>
+            <a:srgbClr val="FF0000">
+              <a:alpha val="23922"/>
+            </a:srgbClr>
+          </a:solidFill>
+        </p:spPr>
+        <p:style>
+          <a:lnRef idx="2">
+            <a:schemeClr val="accent1">
+              <a:shade val="50000"/>
+            </a:schemeClr>
+          </a:lnRef>
+          <a:fillRef idx="1">
+            <a:schemeClr val="accent1"/>
+          </a:fillRef>
+          <a:effectRef idx="0">
+            <a:schemeClr val="accent1"/>
+          </a:effectRef>
+          <a:fontRef idx="minor">
+            <a:schemeClr val="lt1"/>
+          </a:fontRef>
+        </p:style>
+        <p:txBody>
+          <a:bodyPr rtlCol="0" anchor="ctr"/>
+          <a:lstStyle/>
+          <a:p>
+            <a:pPr algn="ctr"/>
+            <a:endParaRPr kumimoji="1" lang="ja-JP" altLang="en-US"/>
+          </a:p>
+        </p:txBody>
+      </p:sp>
+      <p:sp>
+        <p:nvSpPr>
+          <p:cNvPr id="13" name="テキスト ボックス 12"/>
+          <p:cNvSpPr txBox="1"/>
+          <p:nvPr/>
+        </p:nvSpPr>
+        <p:spPr>
+          <a:xfrm>
+            <a:off x="-4091158" y="1725911"/>
+            <a:ext cx="21386800" cy="1129112"/>
+          </a:xfrm>
+          <a:prstGeom prst="rect">
+            <a:avLst/>
+          </a:prstGeom>
+          <a:noFill/>
+        </p:spPr>
+        <p:txBody>
+          <a:bodyPr wrap="square" lIns="295232" tIns="147616" rIns="295232" bIns="147616" rtlCol="0">
+            <a:spAutoFit/>
+          </a:bodyPr>
+          <a:lstStyle/>
+          <a:p>
+            <a:pPr algn="r"/>
+            <a:r>
+              <a:rPr lang="en-US" altLang="ja-JP" sz="5400" dirty="0">
+                <a:solidFill>
+                  <a:schemeClr val="bg1"/>
+                </a:solidFill>
+                <a:effectLst>
+                  <a:outerShdw blurRad="38100" dist="38100" dir="2700000" algn="tl">
+                    <a:srgbClr val="000000">
+                      <a:alpha val="43137"/>
+                    </a:srgbClr>
+                  </a:outerShdw>
+                </a:effectLst>
+                <a:latin typeface="+mn-ea"/>
+              </a:rPr>
+              <a:t>PM</a:t>
+            </a:r>
+            <a:r>
+              <a:rPr lang="ja-JP" altLang="en-US" sz="5400" dirty="0">
+                <a:solidFill>
+                  <a:schemeClr val="bg1"/>
+                </a:solidFill>
+                <a:effectLst>
+                  <a:outerShdw blurRad="38100" dist="38100" dir="2700000" algn="tl">
+                    <a:srgbClr val="000000">
+                      <a:alpha val="43137"/>
+                    </a:srgbClr>
+                  </a:outerShdw>
+                </a:effectLst>
+                <a:latin typeface="+mn-ea"/>
+              </a:rPr>
+              <a:t>コース　矢吹研究室　</a:t>
+            </a:r>
+            <a:r>
+              <a:rPr lang="en-US" altLang="ja-JP" sz="5400" dirty="0">
+                <a:solidFill>
+                  <a:schemeClr val="bg1"/>
+                </a:solidFill>
+                <a:effectLst>
+                  <a:outerShdw blurRad="38100" dist="38100" dir="2700000" algn="tl">
+                    <a:srgbClr val="000000">
+                      <a:alpha val="43137"/>
+                    </a:srgbClr>
+                  </a:outerShdw>
+                </a:effectLst>
+                <a:latin typeface="+mn-ea"/>
+              </a:rPr>
+              <a:t>1442031 </a:t>
+            </a:r>
+            <a:r>
+              <a:rPr lang="ja-JP" altLang="en-US" sz="5400" dirty="0">
+                <a:solidFill>
+                  <a:schemeClr val="bg1"/>
+                </a:solidFill>
+                <a:effectLst>
+                  <a:outerShdw blurRad="38100" dist="38100" dir="2700000" algn="tl">
+                    <a:srgbClr val="000000">
+                      <a:alpha val="43137"/>
+                    </a:srgbClr>
+                  </a:outerShdw>
+                </a:effectLst>
+                <a:latin typeface="+mn-ea"/>
+              </a:rPr>
+              <a:t>小山隆太郎</a:t>
+            </a:r>
+          </a:p>
+        </p:txBody>
+      </p:sp>
       <p:pic>
         <p:nvPicPr>
-          <p:cNvPr id="10" name="図 9"/>
+          <p:cNvPr id="5" name="図 4"/>
           <p:cNvPicPr>
             <a:picLocks noChangeAspect="1"/>
           </p:cNvPicPr>
@@ -5677,159 +3937,24 @@
               </a:ext>
             </a:extLst>
           </a:blip>
-          <a:srcRect r="22805"/>
+          <a:srcRect r="17398"/>
           <a:stretch/>
         </p:blipFill>
         <p:spPr>
           <a:xfrm>
-            <a:off x="9113923" y="10351728"/>
-            <a:ext cx="5760000" cy="7148277"/>
+            <a:off x="14952003" y="14686268"/>
+            <a:ext cx="4654376" cy="5565776"/>
           </a:xfrm>
           <a:prstGeom prst="rect">
             <a:avLst/>
           </a:prstGeom>
-          <a:ln>
+          <a:ln w="9525">
             <a:solidFill>
               <a:schemeClr val="tx1"/>
             </a:solidFill>
           </a:ln>
         </p:spPr>
       </p:pic>
-      <p:sp>
-        <p:nvSpPr>
-          <p:cNvPr id="11" name="正方形/長方形 10"/>
-          <p:cNvSpPr/>
-          <p:nvPr/>
-        </p:nvSpPr>
-        <p:spPr>
-          <a:xfrm>
-            <a:off x="9503635" y="17585539"/>
-            <a:ext cx="4365298" cy="400110"/>
-          </a:xfrm>
-          <a:prstGeom prst="rect">
-            <a:avLst/>
-          </a:prstGeom>
-        </p:spPr>
-        <p:txBody>
-          <a:bodyPr wrap="none">
-            <a:spAutoFit/>
-          </a:bodyPr>
-          <a:lstStyle/>
-          <a:p>
-            <a:pPr algn="ctr"/>
-            <a:r>
-              <a:rPr lang="ja-JP" altLang="en-US" sz="2000" dirty="0">
-                <a:latin typeface="小塚ゴシック Pro B" panose="020B0800000000000000" pitchFamily="34" charset="-128"/>
-                <a:ea typeface="小塚ゴシック Pro B" panose="020B0800000000000000" pitchFamily="34" charset="-128"/>
-              </a:rPr>
-              <a:t>図</a:t>
-            </a:r>
-            <a:r>
-              <a:rPr lang="en-US" altLang="ja-JP" sz="2000" dirty="0">
-                <a:latin typeface="小塚ゴシック Pro B" panose="020B0800000000000000" pitchFamily="34" charset="-128"/>
-                <a:ea typeface="小塚ゴシック Pro B" panose="020B0800000000000000" pitchFamily="34" charset="-128"/>
-              </a:rPr>
-              <a:t>1</a:t>
-            </a:r>
-            <a:r>
-              <a:rPr lang="ja-JP" altLang="en-US" sz="2000" dirty="0">
-                <a:latin typeface="小塚ゴシック Pro B" panose="020B0800000000000000" pitchFamily="34" charset="-128"/>
-                <a:ea typeface="小塚ゴシック Pro B" panose="020B0800000000000000" pitchFamily="34" charset="-128"/>
-              </a:rPr>
-              <a:t>　</a:t>
-            </a:r>
-            <a:r>
-              <a:rPr lang="en-US" altLang="ja-JP" sz="2000" dirty="0" err="1">
-                <a:latin typeface="小塚ゴシック Pro B" panose="020B0800000000000000" pitchFamily="34" charset="-128"/>
-                <a:ea typeface="小塚ゴシック Pro B" panose="020B0800000000000000" pitchFamily="34" charset="-128"/>
-              </a:rPr>
-              <a:t>WinSCP</a:t>
-            </a:r>
-            <a:r>
-              <a:rPr lang="ja-JP" altLang="en-US" sz="2000" dirty="0" err="1">
-                <a:latin typeface="小塚ゴシック Pro B" panose="020B0800000000000000" pitchFamily="34" charset="-128"/>
-                <a:ea typeface="小塚ゴシック Pro B" panose="020B0800000000000000" pitchFamily="34" charset="-128"/>
-              </a:rPr>
-              <a:t>での</a:t>
-            </a:r>
-            <a:r>
-              <a:rPr lang="ja-JP" altLang="en-US" sz="2000" dirty="0">
-                <a:latin typeface="小塚ゴシック Pro B" panose="020B0800000000000000" pitchFamily="34" charset="-128"/>
-                <a:ea typeface="小塚ゴシック Pro B" panose="020B0800000000000000" pitchFamily="34" charset="-128"/>
-              </a:rPr>
-              <a:t>ディレクトリ管理</a:t>
-            </a:r>
-            <a:endParaRPr lang="en-US" altLang="ja-JP" sz="2000" dirty="0">
-              <a:latin typeface="小塚ゴシック Pro B" panose="020B0800000000000000" pitchFamily="34" charset="-128"/>
-              <a:ea typeface="小塚ゴシック Pro B" panose="020B0800000000000000" pitchFamily="34" charset="-128"/>
-            </a:endParaRPr>
-          </a:p>
-        </p:txBody>
-      </p:sp>
-      <p:sp>
-        <p:nvSpPr>
-          <p:cNvPr id="12" name="正方形/長方形 11"/>
-          <p:cNvSpPr/>
-          <p:nvPr/>
-        </p:nvSpPr>
-        <p:spPr>
-          <a:xfrm>
-            <a:off x="16244752" y="17585539"/>
-            <a:ext cx="3663182" cy="400110"/>
-          </a:xfrm>
-          <a:prstGeom prst="rect">
-            <a:avLst/>
-          </a:prstGeom>
-        </p:spPr>
-        <p:txBody>
-          <a:bodyPr wrap="none">
-            <a:spAutoFit/>
-          </a:bodyPr>
-          <a:lstStyle/>
-          <a:p>
-            <a:pPr algn="ctr"/>
-            <a:r>
-              <a:rPr lang="ja-JP" altLang="en-US" sz="2000" dirty="0">
-                <a:latin typeface="小塚ゴシック Pro B" panose="020B0800000000000000" pitchFamily="34" charset="-128"/>
-                <a:ea typeface="小塚ゴシック Pro B" panose="020B0800000000000000" pitchFamily="34" charset="-128"/>
-              </a:rPr>
-              <a:t>図</a:t>
-            </a:r>
-            <a:r>
-              <a:rPr lang="en-US" altLang="ja-JP" sz="2000" dirty="0">
-                <a:latin typeface="小塚ゴシック Pro B" panose="020B0800000000000000" pitchFamily="34" charset="-128"/>
-                <a:ea typeface="小塚ゴシック Pro B" panose="020B0800000000000000" pitchFamily="34" charset="-128"/>
-              </a:rPr>
-              <a:t>2</a:t>
-            </a:r>
-            <a:r>
-              <a:rPr lang="ja-JP" altLang="en-US" sz="2000" dirty="0">
-                <a:latin typeface="小塚ゴシック Pro B" panose="020B0800000000000000" pitchFamily="34" charset="-128"/>
-                <a:ea typeface="小塚ゴシック Pro B" panose="020B0800000000000000" pitchFamily="34" charset="-128"/>
-              </a:rPr>
-              <a:t>　</a:t>
-            </a:r>
-            <a:r>
-              <a:rPr lang="en-US" altLang="ja-JP" sz="2000" dirty="0" err="1">
-                <a:latin typeface="小塚ゴシック Pro B" panose="020B0800000000000000" pitchFamily="34" charset="-128"/>
-                <a:ea typeface="小塚ゴシック Pro B" panose="020B0800000000000000" pitchFamily="34" charset="-128"/>
-              </a:rPr>
-              <a:t>conf</a:t>
-            </a:r>
-            <a:r>
-              <a:rPr lang="ja-JP" altLang="en-US" sz="2000" dirty="0">
-                <a:latin typeface="小塚ゴシック Pro B" panose="020B0800000000000000" pitchFamily="34" charset="-128"/>
-                <a:ea typeface="小塚ゴシック Pro B" panose="020B0800000000000000" pitchFamily="34" charset="-128"/>
-              </a:rPr>
-              <a:t>ファイルの設定画面</a:t>
-            </a:r>
-            <a:endParaRPr lang="en-US" altLang="ja-JP" sz="2000" dirty="0">
-              <a:latin typeface="小塚ゴシック Pro B" panose="020B0800000000000000" pitchFamily="34" charset="-128"/>
-              <a:ea typeface="小塚ゴシック Pro B" panose="020B0800000000000000" pitchFamily="34" charset="-128"/>
-            </a:endParaRPr>
-          </a:p>
-        </p:txBody>
-      </p:sp>
       <p:pic>
         <p:nvPicPr>
           <p:cNvPr id="14" name="図 13"/>
@@ -5852,7 +3977,7 @@
         </p:blipFill>
         <p:spPr>
           <a:xfrm>
-            <a:off x="2541087" y="2790273"/>
+            <a:off x="17295642" y="1445996"/>
             <a:ext cx="3945683" cy="1587495"/>
           </a:xfrm>
           <a:prstGeom prst="rect">
@@ -5868,7 +3993,7 @@
         </p:nvSpPr>
         <p:spPr>
           <a:xfrm>
-            <a:off x="3802506" y="26193401"/>
+            <a:off x="16396843" y="8697270"/>
             <a:ext cx="2811988" cy="400110"/>
           </a:xfrm>
           <a:prstGeom prst="rect">
@@ -5883,12 +4008,12 @@
           <a:lstStyle/>
           <a:p>
             <a:r>
-              <a:rPr kumimoji="1" lang="ja-JP" altLang="en-US" sz="2000" dirty="0"/>
+              <a:rPr kumimoji="1" lang="ja-JP" altLang="en-US" sz="2000" dirty="0" smtClean="0"/>
               <a:t>図</a:t>
             </a:r>
             <a:r>
-              <a:rPr kumimoji="1" lang="en-US" altLang="ja-JP" sz="2000" dirty="0"/>
-              <a:t>3</a:t>
+              <a:rPr kumimoji="1" lang="en-US" altLang="ja-JP" sz="2000" dirty="0" smtClean="0"/>
+              <a:t>1</a:t>
             </a:r>
             <a:r>
               <a:rPr kumimoji="1" lang="ja-JP" altLang="en-US" sz="2000" dirty="0"/>
@@ -5902,6 +4027,1661 @@
               <a:rPr kumimoji="1" lang="ja-JP" altLang="en-US" sz="2000" dirty="0"/>
               <a:t>の実行結果</a:t>
             </a:r>
+          </a:p>
+        </p:txBody>
+      </p:sp>
+      <p:sp>
+        <p:nvSpPr>
+          <p:cNvPr id="9" name="テキスト ボックス 8"/>
+          <p:cNvSpPr txBox="1"/>
+          <p:nvPr/>
+        </p:nvSpPr>
+        <p:spPr>
+          <a:xfrm>
+            <a:off x="364562" y="3413558"/>
+            <a:ext cx="4524893" cy="984885"/>
+          </a:xfrm>
+          <a:prstGeom prst="rect">
+            <a:avLst/>
+          </a:prstGeom>
+          <a:noFill/>
+        </p:spPr>
+        <p:txBody>
+          <a:bodyPr wrap="none" rtlCol="0">
+            <a:spAutoFit/>
+          </a:bodyPr>
+          <a:lstStyle/>
+          <a:p>
+            <a:r>
+              <a:rPr kumimoji="1" lang="en-US" altLang="ja-JP" dirty="0" err="1" smtClean="0"/>
+              <a:t>RedPen</a:t>
+            </a:r>
+            <a:r>
+              <a:rPr lang="ja-JP" altLang="en-US" dirty="0" smtClean="0"/>
+              <a:t>とは？</a:t>
+            </a:r>
+            <a:endParaRPr kumimoji="1" lang="ja-JP" altLang="en-US" dirty="0"/>
+          </a:p>
+        </p:txBody>
+      </p:sp>
+      <p:cxnSp>
+        <p:nvCxnSpPr>
+          <p:cNvPr id="25" name="直線コネクタ 24"/>
+          <p:cNvCxnSpPr/>
+          <p:nvPr/>
+        </p:nvCxnSpPr>
+        <p:spPr>
+          <a:xfrm flipV="1">
+            <a:off x="0" y="4377769"/>
+            <a:ext cx="21190307" cy="13276"/>
+          </a:xfrm>
+          <a:prstGeom prst="line">
+            <a:avLst/>
+          </a:prstGeom>
+          <a:ln>
+            <a:solidFill>
+              <a:srgbClr val="FF0000"/>
+            </a:solidFill>
+          </a:ln>
+        </p:spPr>
+        <p:style>
+          <a:lnRef idx="1">
+            <a:schemeClr val="accent1"/>
+          </a:lnRef>
+          <a:fillRef idx="0">
+            <a:schemeClr val="accent1"/>
+          </a:fillRef>
+          <a:effectRef idx="0">
+            <a:schemeClr val="accent1"/>
+          </a:effectRef>
+          <a:fontRef idx="minor">
+            <a:schemeClr val="tx1"/>
+          </a:fontRef>
+        </p:style>
+      </p:cxnSp>
+      <p:sp>
+        <p:nvSpPr>
+          <p:cNvPr id="53" name="正方形/長方形 52"/>
+          <p:cNvSpPr/>
+          <p:nvPr/>
+        </p:nvSpPr>
+        <p:spPr>
+          <a:xfrm>
+            <a:off x="0" y="3517264"/>
+            <a:ext cx="364562" cy="890440"/>
+          </a:xfrm>
+          <a:prstGeom prst="rect">
+            <a:avLst/>
+          </a:prstGeom>
+          <a:solidFill>
+            <a:srgbClr val="D55B5E"/>
+          </a:solidFill>
+          <a:ln>
+            <a:noFill/>
+          </a:ln>
+        </p:spPr>
+        <p:style>
+          <a:lnRef idx="2">
+            <a:schemeClr val="accent1">
+              <a:shade val="50000"/>
+            </a:schemeClr>
+          </a:lnRef>
+          <a:fillRef idx="1">
+            <a:schemeClr val="accent1"/>
+          </a:fillRef>
+          <a:effectRef idx="0">
+            <a:schemeClr val="accent1"/>
+          </a:effectRef>
+          <a:fontRef idx="minor">
+            <a:schemeClr val="lt1"/>
+          </a:fontRef>
+        </p:style>
+        <p:txBody>
+          <a:bodyPr rtlCol="0" anchor="ctr"/>
+          <a:lstStyle/>
+          <a:p>
+            <a:pPr algn="ctr"/>
+            <a:endParaRPr kumimoji="1" lang="ja-JP" altLang="en-US"/>
+          </a:p>
+        </p:txBody>
+      </p:sp>
+      <p:sp>
+        <p:nvSpPr>
+          <p:cNvPr id="54" name="正方形/長方形 53"/>
+          <p:cNvSpPr/>
+          <p:nvPr/>
+        </p:nvSpPr>
+        <p:spPr>
+          <a:xfrm>
+            <a:off x="1545543" y="395648"/>
+            <a:ext cx="16489832" cy="1323439"/>
+          </a:xfrm>
+          <a:prstGeom prst="rect">
+            <a:avLst/>
+          </a:prstGeom>
+        </p:spPr>
+        <p:txBody>
+          <a:bodyPr wrap="square">
+            <a:spAutoFit/>
+          </a:bodyPr>
+          <a:lstStyle/>
+          <a:p>
+            <a:pPr algn="ctr"/>
+            <a:r>
+              <a:rPr lang="en-US" altLang="ja-JP" sz="8000" dirty="0" err="1" smtClean="0">
+                <a:solidFill>
+                  <a:schemeClr val="bg1"/>
+                </a:solidFill>
+                <a:effectLst>
+                  <a:outerShdw blurRad="38100" dist="38100" dir="2700000" algn="tl">
+                    <a:srgbClr val="000000">
+                      <a:alpha val="43137"/>
+                    </a:srgbClr>
+                  </a:outerShdw>
+                </a:effectLst>
+                <a:latin typeface="+mn-ea"/>
+              </a:rPr>
+              <a:t>RedPen</a:t>
+            </a:r>
+            <a:r>
+              <a:rPr lang="ja-JP" altLang="en-US" sz="8000" dirty="0" smtClean="0">
+                <a:solidFill>
+                  <a:schemeClr val="bg1"/>
+                </a:solidFill>
+                <a:effectLst>
+                  <a:outerShdw blurRad="38100" dist="38100" dir="2700000" algn="tl">
+                    <a:srgbClr val="000000">
+                      <a:alpha val="43137"/>
+                    </a:srgbClr>
+                  </a:outerShdw>
+                </a:effectLst>
+                <a:latin typeface="+mn-ea"/>
+              </a:rPr>
+              <a:t>を使った文書自動添削</a:t>
+            </a:r>
+            <a:endParaRPr lang="ja-JP" altLang="en-US" sz="8000" dirty="0">
+              <a:solidFill>
+                <a:schemeClr val="bg1"/>
+              </a:solidFill>
+              <a:effectLst>
+                <a:outerShdw blurRad="38100" dist="38100" dir="2700000" algn="tl">
+                  <a:srgbClr val="000000">
+                    <a:alpha val="43137"/>
+                  </a:srgbClr>
+                </a:outerShdw>
+              </a:effectLst>
+              <a:latin typeface="+mn-ea"/>
+            </a:endParaRPr>
+          </a:p>
+        </p:txBody>
+      </p:sp>
+      <p:pic>
+        <p:nvPicPr>
+          <p:cNvPr id="56" name="図 55"/>
+          <p:cNvPicPr>
+            <a:picLocks noChangeAspect="1"/>
+          </p:cNvPicPr>
+          <p:nvPr/>
+        </p:nvPicPr>
+        <p:blipFill>
+          <a:blip r:embed="rId7">
+            <a:extLst>
+              <a:ext uri="{28A0092B-C50C-407E-A947-70E740481C1C}">
+                <a14:useLocalDpi xmlns:a14="http://schemas.microsoft.com/office/drawing/2010/main" val="0"/>
+              </a:ext>
+            </a:extLst>
+          </a:blip>
+          <a:stretch>
+            <a:fillRect/>
+          </a:stretch>
+        </p:blipFill>
+        <p:spPr>
+          <a:xfrm>
+            <a:off x="374737" y="5485962"/>
+            <a:ext cx="3304811" cy="3588222"/>
+          </a:xfrm>
+          <a:prstGeom prst="rect">
+            <a:avLst/>
+          </a:prstGeom>
+        </p:spPr>
+      </p:pic>
+      <p:sp>
+        <p:nvSpPr>
+          <p:cNvPr id="57" name="テキスト ボックス 56"/>
+          <p:cNvSpPr txBox="1"/>
+          <p:nvPr/>
+        </p:nvSpPr>
+        <p:spPr>
+          <a:xfrm>
+            <a:off x="483021" y="4688013"/>
+            <a:ext cx="15243275" cy="769441"/>
+          </a:xfrm>
+          <a:prstGeom prst="rect">
+            <a:avLst/>
+          </a:prstGeom>
+          <a:noFill/>
+        </p:spPr>
+        <p:txBody>
+          <a:bodyPr wrap="none" rtlCol="0">
+            <a:spAutoFit/>
+          </a:bodyPr>
+          <a:lstStyle/>
+          <a:p>
+            <a:r>
+              <a:rPr lang="ja-JP" altLang="en-US" sz="4400" dirty="0" smtClean="0"/>
+              <a:t>文書ミスを自動で検査するツールで、現在も開発が進んでいる。</a:t>
+            </a:r>
+            <a:endParaRPr kumimoji="1" lang="ja-JP" altLang="en-US" sz="4400" dirty="0"/>
+          </a:p>
+        </p:txBody>
+      </p:sp>
+      <p:sp>
+        <p:nvSpPr>
+          <p:cNvPr id="63" name="雲形吹き出し 62"/>
+          <p:cNvSpPr/>
+          <p:nvPr/>
+        </p:nvSpPr>
+        <p:spPr>
+          <a:xfrm>
+            <a:off x="9561425" y="5837679"/>
+            <a:ext cx="2664296" cy="1554744"/>
+          </a:xfrm>
+          <a:prstGeom prst="cloudCallout">
+            <a:avLst/>
+          </a:prstGeom>
+          <a:noFill/>
+          <a:ln>
+            <a:solidFill>
+              <a:schemeClr val="tx1"/>
+            </a:solidFill>
+          </a:ln>
+        </p:spPr>
+        <p:style>
+          <a:lnRef idx="2">
+            <a:schemeClr val="accent1">
+              <a:shade val="50000"/>
+            </a:schemeClr>
+          </a:lnRef>
+          <a:fillRef idx="1">
+            <a:schemeClr val="accent1"/>
+          </a:fillRef>
+          <a:effectRef idx="0">
+            <a:schemeClr val="accent1"/>
+          </a:effectRef>
+          <a:fontRef idx="minor">
+            <a:schemeClr val="lt1"/>
+          </a:fontRef>
+        </p:style>
+        <p:txBody>
+          <a:bodyPr rtlCol="0" anchor="ctr"/>
+          <a:lstStyle/>
+          <a:p>
+            <a:pPr algn="ctr"/>
+            <a:r>
+              <a:rPr kumimoji="1" lang="ja-JP" altLang="en-US" dirty="0" smtClean="0"/>
+              <a:t>じ</a:t>
+            </a:r>
+            <a:endParaRPr kumimoji="1" lang="ja-JP" altLang="en-US" dirty="0"/>
+          </a:p>
+        </p:txBody>
+      </p:sp>
+      <p:sp>
+        <p:nvSpPr>
+          <p:cNvPr id="64" name="テキスト ボックス 63"/>
+          <p:cNvSpPr txBox="1"/>
+          <p:nvPr/>
+        </p:nvSpPr>
+        <p:spPr>
+          <a:xfrm>
+            <a:off x="10209020" y="6376766"/>
+            <a:ext cx="1261884" cy="523220"/>
+          </a:xfrm>
+          <a:prstGeom prst="rect">
+            <a:avLst/>
+          </a:prstGeom>
+          <a:noFill/>
+        </p:spPr>
+        <p:txBody>
+          <a:bodyPr wrap="none" rtlCol="0">
+            <a:spAutoFit/>
+          </a:bodyPr>
+          <a:lstStyle/>
+          <a:p>
+            <a:r>
+              <a:rPr kumimoji="1" lang="ja-JP" altLang="en-US" sz="2800" dirty="0" smtClean="0"/>
+              <a:t>自動化</a:t>
+            </a:r>
+            <a:endParaRPr kumimoji="1" lang="ja-JP" altLang="en-US" sz="2800" dirty="0"/>
+          </a:p>
+        </p:txBody>
+      </p:sp>
+      <p:pic>
+        <p:nvPicPr>
+          <p:cNvPr id="68" name="図 67"/>
+          <p:cNvPicPr>
+            <a:picLocks noChangeAspect="1"/>
+          </p:cNvPicPr>
+          <p:nvPr/>
+        </p:nvPicPr>
+        <p:blipFill>
+          <a:blip r:embed="rId8">
+            <a:extLst>
+              <a:ext uri="{28A0092B-C50C-407E-A947-70E740481C1C}">
+                <a14:useLocalDpi xmlns:a14="http://schemas.microsoft.com/office/drawing/2010/main" val="0"/>
+              </a:ext>
+            </a:extLst>
+          </a:blip>
+          <a:stretch>
+            <a:fillRect/>
+          </a:stretch>
+        </p:blipFill>
+        <p:spPr>
+          <a:xfrm>
+            <a:off x="14650530" y="5734453"/>
+            <a:ext cx="6304614" cy="2913779"/>
+          </a:xfrm>
+          <a:prstGeom prst="rect">
+            <a:avLst/>
+          </a:prstGeom>
+        </p:spPr>
+      </p:pic>
+      <p:sp>
+        <p:nvSpPr>
+          <p:cNvPr id="69" name="テキスト ボックス 68"/>
+          <p:cNvSpPr txBox="1"/>
+          <p:nvPr/>
+        </p:nvSpPr>
+        <p:spPr>
+          <a:xfrm>
+            <a:off x="374737" y="9597204"/>
+            <a:ext cx="1672253" cy="984885"/>
+          </a:xfrm>
+          <a:prstGeom prst="rect">
+            <a:avLst/>
+          </a:prstGeom>
+          <a:noFill/>
+        </p:spPr>
+        <p:txBody>
+          <a:bodyPr wrap="none" rtlCol="0">
+            <a:spAutoFit/>
+          </a:bodyPr>
+          <a:lstStyle/>
+          <a:p>
+            <a:r>
+              <a:rPr kumimoji="1" lang="ja-JP" altLang="en-US" dirty="0" smtClean="0"/>
+              <a:t>背景</a:t>
+            </a:r>
+            <a:endParaRPr kumimoji="1" lang="ja-JP" altLang="en-US" dirty="0"/>
+          </a:p>
+        </p:txBody>
+      </p:sp>
+      <p:cxnSp>
+        <p:nvCxnSpPr>
+          <p:cNvPr id="72" name="直線コネクタ 71"/>
+          <p:cNvCxnSpPr/>
+          <p:nvPr/>
+        </p:nvCxnSpPr>
+        <p:spPr>
+          <a:xfrm flipV="1">
+            <a:off x="182280" y="10448449"/>
+            <a:ext cx="8243781" cy="20674"/>
+          </a:xfrm>
+          <a:prstGeom prst="line">
+            <a:avLst/>
+          </a:prstGeom>
+          <a:ln>
+            <a:solidFill>
+              <a:srgbClr val="FF0000"/>
+            </a:solidFill>
+          </a:ln>
+        </p:spPr>
+        <p:style>
+          <a:lnRef idx="1">
+            <a:schemeClr val="accent1"/>
+          </a:lnRef>
+          <a:fillRef idx="0">
+            <a:schemeClr val="accent1"/>
+          </a:fillRef>
+          <a:effectRef idx="0">
+            <a:schemeClr val="accent1"/>
+          </a:effectRef>
+          <a:fontRef idx="minor">
+            <a:schemeClr val="tx1"/>
+          </a:fontRef>
+        </p:style>
+      </p:cxnSp>
+      <p:sp>
+        <p:nvSpPr>
+          <p:cNvPr id="71" name="正方形/長方形 70"/>
+          <p:cNvSpPr/>
+          <p:nvPr/>
+        </p:nvSpPr>
+        <p:spPr>
+          <a:xfrm>
+            <a:off x="-1" y="9597204"/>
+            <a:ext cx="364562" cy="890440"/>
+          </a:xfrm>
+          <a:prstGeom prst="rect">
+            <a:avLst/>
+          </a:prstGeom>
+          <a:solidFill>
+            <a:srgbClr val="D55B5E"/>
+          </a:solidFill>
+          <a:ln>
+            <a:noFill/>
+          </a:ln>
+        </p:spPr>
+        <p:style>
+          <a:lnRef idx="2">
+            <a:schemeClr val="accent1">
+              <a:shade val="50000"/>
+            </a:schemeClr>
+          </a:lnRef>
+          <a:fillRef idx="1">
+            <a:schemeClr val="accent1"/>
+          </a:fillRef>
+          <a:effectRef idx="0">
+            <a:schemeClr val="accent1"/>
+          </a:effectRef>
+          <a:fontRef idx="minor">
+            <a:schemeClr val="lt1"/>
+          </a:fontRef>
+        </p:style>
+        <p:txBody>
+          <a:bodyPr rtlCol="0" anchor="ctr"/>
+          <a:lstStyle/>
+          <a:p>
+            <a:pPr algn="ctr"/>
+            <a:endParaRPr kumimoji="1" lang="ja-JP" altLang="en-US"/>
+          </a:p>
+        </p:txBody>
+      </p:sp>
+      <p:sp>
+        <p:nvSpPr>
+          <p:cNvPr id="75" name="テキスト ボックス 74"/>
+          <p:cNvSpPr txBox="1"/>
+          <p:nvPr/>
+        </p:nvSpPr>
+        <p:spPr>
+          <a:xfrm>
+            <a:off x="10854897" y="10822715"/>
+            <a:ext cx="6465231" cy="769441"/>
+          </a:xfrm>
+          <a:prstGeom prst="rect">
+            <a:avLst/>
+          </a:prstGeom>
+          <a:noFill/>
+        </p:spPr>
+        <p:txBody>
+          <a:bodyPr wrap="none" rtlCol="0">
+            <a:spAutoFit/>
+          </a:bodyPr>
+          <a:lstStyle/>
+          <a:p>
+            <a:r>
+              <a:rPr kumimoji="1" lang="ja-JP" altLang="en-US" sz="4400" dirty="0" smtClean="0"/>
+              <a:t>文書の添削を機械で行う。</a:t>
+            </a:r>
+            <a:endParaRPr kumimoji="1" lang="ja-JP" altLang="en-US" sz="4400" dirty="0"/>
+          </a:p>
+        </p:txBody>
+      </p:sp>
+      <p:sp>
+        <p:nvSpPr>
+          <p:cNvPr id="79" name="二等辺三角形 78"/>
+          <p:cNvSpPr/>
+          <p:nvPr/>
+        </p:nvSpPr>
+        <p:spPr>
+          <a:xfrm rot="5400000">
+            <a:off x="3973162" y="6744709"/>
+            <a:ext cx="1608449" cy="1200329"/>
+          </a:xfrm>
+          <a:prstGeom prst="triangle">
+            <a:avLst/>
+          </a:prstGeom>
+          <a:solidFill>
+            <a:schemeClr val="tx1">
+              <a:lumMod val="50000"/>
+              <a:lumOff val="50000"/>
+            </a:schemeClr>
+          </a:solidFill>
+          <a:ln>
+            <a:noFill/>
+          </a:ln>
+        </p:spPr>
+        <p:style>
+          <a:lnRef idx="2">
+            <a:schemeClr val="accent1">
+              <a:shade val="50000"/>
+            </a:schemeClr>
+          </a:lnRef>
+          <a:fillRef idx="1">
+            <a:schemeClr val="accent1"/>
+          </a:fillRef>
+          <a:effectRef idx="0">
+            <a:schemeClr val="accent1"/>
+          </a:effectRef>
+          <a:fontRef idx="minor">
+            <a:schemeClr val="lt1"/>
+          </a:fontRef>
+        </p:style>
+        <p:txBody>
+          <a:bodyPr rtlCol="0" anchor="ctr"/>
+          <a:lstStyle/>
+          <a:p>
+            <a:pPr algn="ctr"/>
+            <a:endParaRPr kumimoji="1" lang="ja-JP" altLang="en-US"/>
+          </a:p>
+        </p:txBody>
+      </p:sp>
+      <p:sp>
+        <p:nvSpPr>
+          <p:cNvPr id="80" name="二等辺三角形 79"/>
+          <p:cNvSpPr/>
+          <p:nvPr/>
+        </p:nvSpPr>
+        <p:spPr>
+          <a:xfrm rot="5400000">
+            <a:off x="12548905" y="6762771"/>
+            <a:ext cx="1608449" cy="1200329"/>
+          </a:xfrm>
+          <a:prstGeom prst="triangle">
+            <a:avLst/>
+          </a:prstGeom>
+          <a:solidFill>
+            <a:schemeClr val="tx1">
+              <a:lumMod val="50000"/>
+              <a:lumOff val="50000"/>
+            </a:schemeClr>
+          </a:solidFill>
+          <a:ln>
+            <a:noFill/>
+          </a:ln>
+        </p:spPr>
+        <p:style>
+          <a:lnRef idx="2">
+            <a:schemeClr val="accent1">
+              <a:shade val="50000"/>
+            </a:schemeClr>
+          </a:lnRef>
+          <a:fillRef idx="1">
+            <a:schemeClr val="accent1"/>
+          </a:fillRef>
+          <a:effectRef idx="0">
+            <a:schemeClr val="accent1"/>
+          </a:effectRef>
+          <a:fontRef idx="minor">
+            <a:schemeClr val="lt1"/>
+          </a:fontRef>
+        </p:style>
+        <p:txBody>
+          <a:bodyPr rtlCol="0" anchor="ctr"/>
+          <a:lstStyle/>
+          <a:p>
+            <a:pPr algn="ctr"/>
+            <a:endParaRPr kumimoji="1" lang="ja-JP" altLang="en-US"/>
+          </a:p>
+        </p:txBody>
+      </p:sp>
+      <p:sp>
+        <p:nvSpPr>
+          <p:cNvPr id="81" name="円/楕円 80"/>
+          <p:cNvSpPr/>
+          <p:nvPr/>
+        </p:nvSpPr>
+        <p:spPr>
+          <a:xfrm>
+            <a:off x="10040303" y="12156383"/>
+            <a:ext cx="4047209" cy="1376189"/>
+          </a:xfrm>
+          <a:prstGeom prst="ellipse">
+            <a:avLst/>
+          </a:prstGeom>
+          <a:solidFill>
+            <a:schemeClr val="accent1">
+              <a:lumMod val="60000"/>
+              <a:lumOff val="40000"/>
+            </a:schemeClr>
+          </a:solidFill>
+        </p:spPr>
+        <p:style>
+          <a:lnRef idx="2">
+            <a:schemeClr val="accent1">
+              <a:shade val="50000"/>
+            </a:schemeClr>
+          </a:lnRef>
+          <a:fillRef idx="1">
+            <a:schemeClr val="accent1"/>
+          </a:fillRef>
+          <a:effectRef idx="0">
+            <a:schemeClr val="accent1"/>
+          </a:effectRef>
+          <a:fontRef idx="minor">
+            <a:schemeClr val="lt1"/>
+          </a:fontRef>
+        </p:style>
+        <p:txBody>
+          <a:bodyPr rtlCol="0" anchor="ctr"/>
+          <a:lstStyle/>
+          <a:p>
+            <a:pPr algn="ctr"/>
+            <a:r>
+              <a:rPr kumimoji="1" lang="ja-JP" altLang="en-US" sz="3600" dirty="0" smtClean="0"/>
+              <a:t>時間短縮</a:t>
+            </a:r>
+            <a:endParaRPr kumimoji="1" lang="ja-JP" altLang="en-US" sz="3600" dirty="0"/>
+          </a:p>
+        </p:txBody>
+      </p:sp>
+      <p:cxnSp>
+        <p:nvCxnSpPr>
+          <p:cNvPr id="84" name="直線コネクタ 83"/>
+          <p:cNvCxnSpPr/>
+          <p:nvPr/>
+        </p:nvCxnSpPr>
+        <p:spPr>
+          <a:xfrm flipV="1">
+            <a:off x="10693399" y="10410126"/>
+            <a:ext cx="8243781" cy="20674"/>
+          </a:xfrm>
+          <a:prstGeom prst="line">
+            <a:avLst/>
+          </a:prstGeom>
+          <a:ln>
+            <a:solidFill>
+              <a:srgbClr val="FF0000"/>
+            </a:solidFill>
+          </a:ln>
+        </p:spPr>
+        <p:style>
+          <a:lnRef idx="1">
+            <a:schemeClr val="accent1"/>
+          </a:lnRef>
+          <a:fillRef idx="0">
+            <a:schemeClr val="accent1"/>
+          </a:fillRef>
+          <a:effectRef idx="0">
+            <a:schemeClr val="accent1"/>
+          </a:effectRef>
+          <a:fontRef idx="minor">
+            <a:schemeClr val="tx1"/>
+          </a:fontRef>
+        </p:style>
+      </p:cxnSp>
+      <p:sp>
+        <p:nvSpPr>
+          <p:cNvPr id="83" name="正方形/長方形 82"/>
+          <p:cNvSpPr/>
+          <p:nvPr/>
+        </p:nvSpPr>
+        <p:spPr>
+          <a:xfrm>
+            <a:off x="10412872" y="9553907"/>
+            <a:ext cx="364562" cy="890440"/>
+          </a:xfrm>
+          <a:prstGeom prst="rect">
+            <a:avLst/>
+          </a:prstGeom>
+          <a:solidFill>
+            <a:srgbClr val="D55B5E"/>
+          </a:solidFill>
+          <a:ln>
+            <a:noFill/>
+          </a:ln>
+        </p:spPr>
+        <p:style>
+          <a:lnRef idx="2">
+            <a:schemeClr val="accent1">
+              <a:shade val="50000"/>
+            </a:schemeClr>
+          </a:lnRef>
+          <a:fillRef idx="1">
+            <a:schemeClr val="accent1"/>
+          </a:fillRef>
+          <a:effectRef idx="0">
+            <a:schemeClr val="accent1"/>
+          </a:effectRef>
+          <a:fontRef idx="minor">
+            <a:schemeClr val="lt1"/>
+          </a:fontRef>
+        </p:style>
+        <p:txBody>
+          <a:bodyPr rtlCol="0" anchor="ctr"/>
+          <a:lstStyle/>
+          <a:p>
+            <a:pPr algn="ctr"/>
+            <a:endParaRPr kumimoji="1" lang="ja-JP" altLang="en-US"/>
+          </a:p>
+        </p:txBody>
+      </p:sp>
+      <p:sp>
+        <p:nvSpPr>
+          <p:cNvPr id="85" name="テキスト ボックス 84"/>
+          <p:cNvSpPr txBox="1"/>
+          <p:nvPr/>
+        </p:nvSpPr>
+        <p:spPr>
+          <a:xfrm>
+            <a:off x="10893573" y="9502759"/>
+            <a:ext cx="1672253" cy="984885"/>
+          </a:xfrm>
+          <a:prstGeom prst="rect">
+            <a:avLst/>
+          </a:prstGeom>
+          <a:noFill/>
+        </p:spPr>
+        <p:txBody>
+          <a:bodyPr wrap="none" rtlCol="0">
+            <a:spAutoFit/>
+          </a:bodyPr>
+          <a:lstStyle/>
+          <a:p>
+            <a:r>
+              <a:rPr kumimoji="1" lang="ja-JP" altLang="en-US" dirty="0" smtClean="0"/>
+              <a:t>目的</a:t>
+            </a:r>
+            <a:endParaRPr kumimoji="1" lang="ja-JP" altLang="en-US" dirty="0"/>
+          </a:p>
+        </p:txBody>
+      </p:sp>
+      <p:sp>
+        <p:nvSpPr>
+          <p:cNvPr id="86" name="円/楕円 85"/>
+          <p:cNvSpPr/>
+          <p:nvPr/>
+        </p:nvSpPr>
+        <p:spPr>
+          <a:xfrm>
+            <a:off x="14857218" y="12200840"/>
+            <a:ext cx="4047209" cy="1376189"/>
+          </a:xfrm>
+          <a:prstGeom prst="ellipse">
+            <a:avLst/>
+          </a:prstGeom>
+          <a:solidFill>
+            <a:schemeClr val="accent1">
+              <a:lumMod val="60000"/>
+              <a:lumOff val="40000"/>
+            </a:schemeClr>
+          </a:solidFill>
+        </p:spPr>
+        <p:style>
+          <a:lnRef idx="2">
+            <a:schemeClr val="accent1">
+              <a:shade val="50000"/>
+            </a:schemeClr>
+          </a:lnRef>
+          <a:fillRef idx="1">
+            <a:schemeClr val="accent1"/>
+          </a:fillRef>
+          <a:effectRef idx="0">
+            <a:schemeClr val="accent1"/>
+          </a:effectRef>
+          <a:fontRef idx="minor">
+            <a:schemeClr val="lt1"/>
+          </a:fontRef>
+        </p:style>
+        <p:txBody>
+          <a:bodyPr rtlCol="0" anchor="ctr"/>
+          <a:lstStyle/>
+          <a:p>
+            <a:pPr algn="ctr"/>
+            <a:r>
+              <a:rPr lang="ja-JP" altLang="en-US" sz="3600" dirty="0"/>
+              <a:t>ミス</a:t>
+            </a:r>
+            <a:r>
+              <a:rPr lang="ja-JP" altLang="en-US" sz="3600" dirty="0" smtClean="0"/>
+              <a:t>が</a:t>
+            </a:r>
+            <a:r>
+              <a:rPr lang="ja-JP" altLang="en-US" sz="3600" dirty="0"/>
+              <a:t>少</a:t>
+            </a:r>
+            <a:r>
+              <a:rPr lang="ja-JP" altLang="en-US" sz="3600" dirty="0" smtClean="0"/>
+              <a:t>ない</a:t>
+            </a:r>
+            <a:endParaRPr kumimoji="1" lang="ja-JP" altLang="en-US" sz="3600" dirty="0"/>
+          </a:p>
+        </p:txBody>
+      </p:sp>
+      <p:sp>
+        <p:nvSpPr>
+          <p:cNvPr id="89" name="テキスト ボックス 88"/>
+          <p:cNvSpPr txBox="1"/>
+          <p:nvPr/>
+        </p:nvSpPr>
+        <p:spPr>
+          <a:xfrm>
+            <a:off x="182280" y="10880245"/>
+            <a:ext cx="9092554" cy="1446550"/>
+          </a:xfrm>
+          <a:prstGeom prst="rect">
+            <a:avLst/>
+          </a:prstGeom>
+          <a:noFill/>
+        </p:spPr>
+        <p:txBody>
+          <a:bodyPr wrap="none" rtlCol="0">
+            <a:spAutoFit/>
+          </a:bodyPr>
+          <a:lstStyle/>
+          <a:p>
+            <a:r>
+              <a:rPr kumimoji="1" lang="ja-JP" altLang="en-US" sz="4400" dirty="0" smtClean="0"/>
+              <a:t>文</a:t>
+            </a:r>
+            <a:r>
+              <a:rPr lang="ja-JP" altLang="en-US" sz="4400" dirty="0" smtClean="0"/>
+              <a:t>書の静的解析ツールを利用できれ</a:t>
+            </a:r>
+            <a:r>
+              <a:rPr lang="en-US" altLang="ja-JP" sz="4400" dirty="0" smtClean="0"/>
+              <a:t/>
+            </a:r>
+            <a:br>
+              <a:rPr lang="en-US" altLang="ja-JP" sz="4400" dirty="0" smtClean="0"/>
+            </a:br>
+            <a:r>
+              <a:rPr lang="ja-JP" altLang="en-US" sz="4400" dirty="0" smtClean="0"/>
+              <a:t>ば、文書作成の質が上がると考えた。</a:t>
+            </a:r>
+            <a:endParaRPr lang="en-US" altLang="ja-JP" sz="4400" dirty="0" smtClean="0"/>
+          </a:p>
+        </p:txBody>
+      </p:sp>
+      <p:sp>
+        <p:nvSpPr>
+          <p:cNvPr id="90" name="正方形/長方形 89"/>
+          <p:cNvSpPr/>
+          <p:nvPr/>
+        </p:nvSpPr>
+        <p:spPr>
+          <a:xfrm>
+            <a:off x="-1" y="13620507"/>
+            <a:ext cx="364562" cy="890440"/>
+          </a:xfrm>
+          <a:prstGeom prst="rect">
+            <a:avLst/>
+          </a:prstGeom>
+          <a:solidFill>
+            <a:srgbClr val="D55B5E"/>
+          </a:solidFill>
+          <a:ln>
+            <a:noFill/>
+          </a:ln>
+        </p:spPr>
+        <p:style>
+          <a:lnRef idx="2">
+            <a:schemeClr val="accent1">
+              <a:shade val="50000"/>
+            </a:schemeClr>
+          </a:lnRef>
+          <a:fillRef idx="1">
+            <a:schemeClr val="accent1"/>
+          </a:fillRef>
+          <a:effectRef idx="0">
+            <a:schemeClr val="accent1"/>
+          </a:effectRef>
+          <a:fontRef idx="minor">
+            <a:schemeClr val="lt1"/>
+          </a:fontRef>
+        </p:style>
+        <p:txBody>
+          <a:bodyPr rtlCol="0" anchor="ctr"/>
+          <a:lstStyle/>
+          <a:p>
+            <a:pPr algn="ctr"/>
+            <a:endParaRPr kumimoji="1" lang="ja-JP" altLang="en-US"/>
+          </a:p>
+        </p:txBody>
+      </p:sp>
+      <p:cxnSp>
+        <p:nvCxnSpPr>
+          <p:cNvPr id="91" name="直線コネクタ 90"/>
+          <p:cNvCxnSpPr/>
+          <p:nvPr/>
+        </p:nvCxnSpPr>
+        <p:spPr>
+          <a:xfrm flipV="1">
+            <a:off x="143397" y="14473019"/>
+            <a:ext cx="8243781" cy="20674"/>
+          </a:xfrm>
+          <a:prstGeom prst="line">
+            <a:avLst/>
+          </a:prstGeom>
+          <a:ln>
+            <a:solidFill>
+              <a:srgbClr val="FF0000"/>
+            </a:solidFill>
+          </a:ln>
+        </p:spPr>
+        <p:style>
+          <a:lnRef idx="1">
+            <a:schemeClr val="accent1"/>
+          </a:lnRef>
+          <a:fillRef idx="0">
+            <a:schemeClr val="accent1"/>
+          </a:fillRef>
+          <a:effectRef idx="0">
+            <a:schemeClr val="accent1"/>
+          </a:effectRef>
+          <a:fontRef idx="minor">
+            <a:schemeClr val="tx1"/>
+          </a:fontRef>
+        </p:style>
+      </p:cxnSp>
+      <p:sp>
+        <p:nvSpPr>
+          <p:cNvPr id="92" name="テキスト ボックス 91"/>
+          <p:cNvSpPr txBox="1"/>
+          <p:nvPr/>
+        </p:nvSpPr>
+        <p:spPr>
+          <a:xfrm>
+            <a:off x="447222" y="13572507"/>
+            <a:ext cx="3159839" cy="984885"/>
+          </a:xfrm>
+          <a:prstGeom prst="rect">
+            <a:avLst/>
+          </a:prstGeom>
+          <a:noFill/>
+        </p:spPr>
+        <p:txBody>
+          <a:bodyPr wrap="none" rtlCol="0">
+            <a:spAutoFit/>
+          </a:bodyPr>
+          <a:lstStyle/>
+          <a:p>
+            <a:r>
+              <a:rPr kumimoji="1" lang="ja-JP" altLang="en-US" dirty="0" smtClean="0"/>
+              <a:t>研究方法</a:t>
+            </a:r>
+            <a:endParaRPr kumimoji="1" lang="ja-JP" altLang="en-US" dirty="0"/>
+          </a:p>
+        </p:txBody>
+      </p:sp>
+      <p:sp>
+        <p:nvSpPr>
+          <p:cNvPr id="94" name="テキスト ボックス 93"/>
+          <p:cNvSpPr txBox="1"/>
+          <p:nvPr/>
+        </p:nvSpPr>
+        <p:spPr>
+          <a:xfrm>
+            <a:off x="364561" y="14821710"/>
+            <a:ext cx="14034611" cy="769441"/>
+          </a:xfrm>
+          <a:prstGeom prst="rect">
+            <a:avLst/>
+          </a:prstGeom>
+          <a:noFill/>
+        </p:spPr>
+        <p:txBody>
+          <a:bodyPr wrap="none" rtlCol="0">
+            <a:spAutoFit/>
+          </a:bodyPr>
+          <a:lstStyle/>
+          <a:p>
+            <a:r>
+              <a:rPr lang="ja-JP" altLang="en-US" sz="4400" dirty="0" smtClean="0"/>
+              <a:t>卒論概論・書籍からの引用文等を使って動作</a:t>
+            </a:r>
+            <a:r>
+              <a:rPr lang="ja-JP" altLang="en-US" sz="4400" dirty="0"/>
+              <a:t>チェック</a:t>
+            </a:r>
+            <a:r>
+              <a:rPr lang="ja-JP" altLang="en-US" sz="4400" dirty="0" smtClean="0"/>
+              <a:t>する。</a:t>
+            </a:r>
+            <a:endParaRPr kumimoji="1" lang="ja-JP" altLang="en-US" sz="4400" dirty="0"/>
+          </a:p>
+        </p:txBody>
+      </p:sp>
+      <p:sp>
+        <p:nvSpPr>
+          <p:cNvPr id="96" name="二等辺三角形 95"/>
+          <p:cNvSpPr/>
+          <p:nvPr/>
+        </p:nvSpPr>
+        <p:spPr>
+          <a:xfrm rot="10800000">
+            <a:off x="6858395" y="15919168"/>
+            <a:ext cx="1046942" cy="878963"/>
+          </a:xfrm>
+          <a:prstGeom prst="triangle">
+            <a:avLst/>
+          </a:prstGeom>
+          <a:solidFill>
+            <a:schemeClr val="tx1">
+              <a:lumMod val="50000"/>
+              <a:lumOff val="50000"/>
+            </a:schemeClr>
+          </a:solidFill>
+          <a:ln>
+            <a:noFill/>
+          </a:ln>
+        </p:spPr>
+        <p:style>
+          <a:lnRef idx="2">
+            <a:schemeClr val="accent1">
+              <a:shade val="50000"/>
+            </a:schemeClr>
+          </a:lnRef>
+          <a:fillRef idx="1">
+            <a:schemeClr val="accent1"/>
+          </a:fillRef>
+          <a:effectRef idx="0">
+            <a:schemeClr val="accent1"/>
+          </a:effectRef>
+          <a:fontRef idx="minor">
+            <a:schemeClr val="lt1"/>
+          </a:fontRef>
+        </p:style>
+        <p:txBody>
+          <a:bodyPr rtlCol="0" anchor="ctr"/>
+          <a:lstStyle/>
+          <a:p>
+            <a:pPr algn="ctr"/>
+            <a:endParaRPr kumimoji="1" lang="ja-JP" altLang="en-US"/>
+          </a:p>
+        </p:txBody>
+      </p:sp>
+      <p:sp>
+        <p:nvSpPr>
+          <p:cNvPr id="98" name="テキスト ボックス 97"/>
+          <p:cNvSpPr txBox="1"/>
+          <p:nvPr/>
+        </p:nvSpPr>
+        <p:spPr>
+          <a:xfrm>
+            <a:off x="1502692" y="17064931"/>
+            <a:ext cx="11758347" cy="769441"/>
+          </a:xfrm>
+          <a:prstGeom prst="rect">
+            <a:avLst/>
+          </a:prstGeom>
+          <a:noFill/>
+        </p:spPr>
+        <p:txBody>
+          <a:bodyPr wrap="none" rtlCol="0">
+            <a:spAutoFit/>
+          </a:bodyPr>
+          <a:lstStyle/>
+          <a:p>
+            <a:r>
+              <a:rPr kumimoji="1" lang="ja-JP" altLang="en-US" sz="4400" dirty="0" smtClean="0"/>
+              <a:t>動作を確認しながら、</a:t>
+            </a:r>
+            <a:r>
+              <a:rPr lang="ja-JP" altLang="en-US" sz="4400" dirty="0" smtClean="0"/>
+              <a:t>設定ファイルを書き換える。</a:t>
+            </a:r>
+            <a:endParaRPr kumimoji="1" lang="en-US" altLang="ja-JP" sz="4400" dirty="0" smtClean="0"/>
+          </a:p>
+        </p:txBody>
+      </p:sp>
+      <p:sp>
+        <p:nvSpPr>
+          <p:cNvPr id="99" name="二等辺三角形 98"/>
+          <p:cNvSpPr/>
+          <p:nvPr/>
+        </p:nvSpPr>
+        <p:spPr>
+          <a:xfrm rot="10800000">
+            <a:off x="6858395" y="18168101"/>
+            <a:ext cx="1046942" cy="878963"/>
+          </a:xfrm>
+          <a:prstGeom prst="triangle">
+            <a:avLst/>
+          </a:prstGeom>
+          <a:solidFill>
+            <a:schemeClr val="tx1">
+              <a:lumMod val="50000"/>
+              <a:lumOff val="50000"/>
+            </a:schemeClr>
+          </a:solidFill>
+          <a:ln>
+            <a:noFill/>
+          </a:ln>
+        </p:spPr>
+        <p:style>
+          <a:lnRef idx="2">
+            <a:schemeClr val="accent1">
+              <a:shade val="50000"/>
+            </a:schemeClr>
+          </a:lnRef>
+          <a:fillRef idx="1">
+            <a:schemeClr val="accent1"/>
+          </a:fillRef>
+          <a:effectRef idx="0">
+            <a:schemeClr val="accent1"/>
+          </a:effectRef>
+          <a:fontRef idx="minor">
+            <a:schemeClr val="lt1"/>
+          </a:fontRef>
+        </p:style>
+        <p:txBody>
+          <a:bodyPr rtlCol="0" anchor="ctr"/>
+          <a:lstStyle/>
+          <a:p>
+            <a:pPr algn="ctr"/>
+            <a:endParaRPr kumimoji="1" lang="ja-JP" altLang="en-US"/>
+          </a:p>
+        </p:txBody>
+      </p:sp>
+      <p:sp>
+        <p:nvSpPr>
+          <p:cNvPr id="100" name="テキスト ボックス 99"/>
+          <p:cNvSpPr txBox="1"/>
+          <p:nvPr/>
+        </p:nvSpPr>
+        <p:spPr>
+          <a:xfrm>
+            <a:off x="1502692" y="19428918"/>
+            <a:ext cx="11806052" cy="769441"/>
+          </a:xfrm>
+          <a:prstGeom prst="rect">
+            <a:avLst/>
+          </a:prstGeom>
+          <a:noFill/>
+        </p:spPr>
+        <p:txBody>
+          <a:bodyPr wrap="none" rtlCol="0">
+            <a:spAutoFit/>
+          </a:bodyPr>
+          <a:lstStyle/>
+          <a:p>
+            <a:r>
+              <a:rPr kumimoji="1" lang="ja-JP" altLang="en-US" sz="4400" dirty="0" smtClean="0"/>
+              <a:t>研究概要文を</a:t>
+            </a:r>
+            <a:r>
+              <a:rPr kumimoji="1" lang="en-US" altLang="ja-JP" sz="4400" dirty="0" err="1" smtClean="0"/>
+              <a:t>RedPen</a:t>
+            </a:r>
+            <a:r>
+              <a:rPr kumimoji="1" lang="ja-JP" altLang="en-US" sz="4400" dirty="0" smtClean="0"/>
+              <a:t>で添削しながら完成させる</a:t>
+            </a:r>
+            <a:r>
+              <a:rPr lang="ja-JP" altLang="en-US" sz="4400" dirty="0"/>
+              <a:t>。</a:t>
+            </a:r>
+            <a:endParaRPr kumimoji="1" lang="en-US" altLang="ja-JP" sz="4400" dirty="0" smtClean="0"/>
+          </a:p>
+        </p:txBody>
+      </p:sp>
+      <p:sp>
+        <p:nvSpPr>
+          <p:cNvPr id="101" name="テキスト ボックス 100"/>
+          <p:cNvSpPr txBox="1"/>
+          <p:nvPr/>
+        </p:nvSpPr>
+        <p:spPr>
+          <a:xfrm>
+            <a:off x="15833122" y="20313269"/>
+            <a:ext cx="3405099" cy="400110"/>
+          </a:xfrm>
+          <a:prstGeom prst="rect">
+            <a:avLst/>
+          </a:prstGeom>
+          <a:noFill/>
+        </p:spPr>
+        <p:txBody>
+          <a:bodyPr wrap="none" rtlCol="0">
+            <a:spAutoFit/>
+          </a:bodyPr>
+          <a:lstStyle/>
+          <a:p>
+            <a:r>
+              <a:rPr lang="ja-JP" altLang="en-US" sz="2000" dirty="0" smtClean="0"/>
+              <a:t>図</a:t>
+            </a:r>
+            <a:r>
+              <a:rPr lang="en-US" altLang="ja-JP" sz="2000" dirty="0" smtClean="0"/>
+              <a:t>2</a:t>
+            </a:r>
+            <a:r>
+              <a:rPr lang="ja-JP" altLang="en-US" sz="2000" dirty="0" smtClean="0"/>
+              <a:t>　設定ファイルの編集画面</a:t>
+            </a:r>
+            <a:endParaRPr lang="en-US" altLang="ja-JP" sz="2000" dirty="0" smtClean="0"/>
+          </a:p>
+        </p:txBody>
+      </p:sp>
+      <p:cxnSp>
+        <p:nvCxnSpPr>
+          <p:cNvPr id="104" name="直線コネクタ 103"/>
+          <p:cNvCxnSpPr/>
+          <p:nvPr/>
+        </p:nvCxnSpPr>
+        <p:spPr>
+          <a:xfrm flipV="1">
+            <a:off x="190071" y="21672785"/>
+            <a:ext cx="8243781" cy="20674"/>
+          </a:xfrm>
+          <a:prstGeom prst="line">
+            <a:avLst/>
+          </a:prstGeom>
+          <a:ln>
+            <a:solidFill>
+              <a:srgbClr val="FF0000"/>
+            </a:solidFill>
+          </a:ln>
+        </p:spPr>
+        <p:style>
+          <a:lnRef idx="1">
+            <a:schemeClr val="accent1"/>
+          </a:lnRef>
+          <a:fillRef idx="0">
+            <a:schemeClr val="accent1"/>
+          </a:fillRef>
+          <a:effectRef idx="0">
+            <a:schemeClr val="accent1"/>
+          </a:effectRef>
+          <a:fontRef idx="minor">
+            <a:schemeClr val="tx1"/>
+          </a:fontRef>
+        </p:style>
+      </p:cxnSp>
+      <p:sp>
+        <p:nvSpPr>
+          <p:cNvPr id="102" name="正方形/長方形 101"/>
+          <p:cNvSpPr/>
+          <p:nvPr/>
+        </p:nvSpPr>
+        <p:spPr>
+          <a:xfrm>
+            <a:off x="-9312" y="20833087"/>
+            <a:ext cx="364562" cy="890440"/>
+          </a:xfrm>
+          <a:prstGeom prst="rect">
+            <a:avLst/>
+          </a:prstGeom>
+          <a:solidFill>
+            <a:srgbClr val="D55B5E"/>
+          </a:solidFill>
+          <a:ln>
+            <a:noFill/>
+          </a:ln>
+        </p:spPr>
+        <p:style>
+          <a:lnRef idx="2">
+            <a:schemeClr val="accent1">
+              <a:shade val="50000"/>
+            </a:schemeClr>
+          </a:lnRef>
+          <a:fillRef idx="1">
+            <a:schemeClr val="accent1"/>
+          </a:fillRef>
+          <a:effectRef idx="0">
+            <a:schemeClr val="accent1"/>
+          </a:effectRef>
+          <a:fontRef idx="minor">
+            <a:schemeClr val="lt1"/>
+          </a:fontRef>
+        </p:style>
+        <p:txBody>
+          <a:bodyPr rtlCol="0" anchor="ctr"/>
+          <a:lstStyle/>
+          <a:p>
+            <a:pPr algn="ctr"/>
+            <a:endParaRPr kumimoji="1" lang="ja-JP" altLang="en-US"/>
+          </a:p>
+        </p:txBody>
+      </p:sp>
+      <p:sp>
+        <p:nvSpPr>
+          <p:cNvPr id="105" name="テキスト ボックス 104"/>
+          <p:cNvSpPr txBox="1"/>
+          <p:nvPr/>
+        </p:nvSpPr>
+        <p:spPr>
+          <a:xfrm>
+            <a:off x="476371" y="20828730"/>
+            <a:ext cx="3159839" cy="984885"/>
+          </a:xfrm>
+          <a:prstGeom prst="rect">
+            <a:avLst/>
+          </a:prstGeom>
+          <a:noFill/>
+        </p:spPr>
+        <p:txBody>
+          <a:bodyPr wrap="none" rtlCol="0">
+            <a:spAutoFit/>
+          </a:bodyPr>
+          <a:lstStyle/>
+          <a:p>
+            <a:r>
+              <a:rPr kumimoji="1" lang="ja-JP" altLang="en-US" dirty="0" smtClean="0"/>
+              <a:t>進捗状況</a:t>
+            </a:r>
+            <a:endParaRPr kumimoji="1" lang="ja-JP" altLang="en-US" dirty="0"/>
+          </a:p>
+        </p:txBody>
+      </p:sp>
+      <p:sp>
+        <p:nvSpPr>
+          <p:cNvPr id="107" name="テキスト ボックス 106"/>
+          <p:cNvSpPr txBox="1"/>
+          <p:nvPr/>
+        </p:nvSpPr>
+        <p:spPr>
+          <a:xfrm>
+            <a:off x="306399" y="22082614"/>
+            <a:ext cx="17357637" cy="5940088"/>
+          </a:xfrm>
+          <a:prstGeom prst="rect">
+            <a:avLst/>
+          </a:prstGeom>
+          <a:noFill/>
+        </p:spPr>
+        <p:txBody>
+          <a:bodyPr wrap="none" rtlCol="0">
+            <a:spAutoFit/>
+          </a:bodyPr>
+          <a:lstStyle/>
+          <a:p>
+            <a:pPr marL="571500" indent="-571500">
+              <a:buFont typeface="Wingdings" panose="05000000000000000000" pitchFamily="2" charset="2"/>
+              <a:buChar char="Ø"/>
+            </a:pPr>
+            <a:r>
+              <a:rPr lang="en-US" altLang="ja-JP" sz="4400" dirty="0" err="1" smtClean="0"/>
+              <a:t>RedPen</a:t>
+            </a:r>
+            <a:r>
+              <a:rPr lang="ja-JP" altLang="en-US" sz="4400" dirty="0" smtClean="0"/>
+              <a:t>が動作し、文書を自動で添削することができた。</a:t>
+            </a:r>
+            <a:endParaRPr lang="en-US" altLang="ja-JP" sz="4400" dirty="0" smtClean="0"/>
+          </a:p>
+          <a:p>
+            <a:endParaRPr lang="en-US" altLang="ja-JP" sz="4400" dirty="0" smtClean="0"/>
+          </a:p>
+          <a:p>
+            <a:pPr marL="571500" indent="-571500">
+              <a:buFont typeface="Wingdings" panose="05000000000000000000" pitchFamily="2" charset="2"/>
+              <a:buChar char="Ø"/>
+            </a:pPr>
+            <a:r>
+              <a:rPr kumimoji="1" lang="ja-JP" altLang="en-US" sz="4400" dirty="0" smtClean="0"/>
+              <a:t>先輩方の卒論概論をチェックし、以下の文中ミスが多く添削された。</a:t>
+            </a:r>
+            <a:endParaRPr kumimoji="1" lang="en-US" altLang="ja-JP" sz="4400" dirty="0" smtClean="0"/>
+          </a:p>
+          <a:p>
+            <a:pPr marL="571500" indent="-571500">
+              <a:buFont typeface="Wingdings" panose="05000000000000000000" pitchFamily="2" charset="2"/>
+              <a:buChar char="ü"/>
+            </a:pPr>
+            <a:r>
+              <a:rPr kumimoji="1" lang="ja-JP" altLang="en-US" sz="4400" dirty="0" smtClean="0"/>
+              <a:t>　</a:t>
+            </a:r>
+            <a:r>
+              <a:rPr kumimoji="1" lang="ja-JP" altLang="en-US" sz="3600" dirty="0" smtClean="0"/>
+              <a:t>文中の数値の表記が統一できていない。</a:t>
+            </a:r>
+            <a:r>
+              <a:rPr lang="ja-JP" altLang="en-US" sz="3600" dirty="0" smtClean="0"/>
+              <a:t>　「１つ・２つ」、「一つ・二つ」など。</a:t>
+            </a:r>
+            <a:endParaRPr kumimoji="1" lang="en-US" altLang="ja-JP" sz="3600" dirty="0"/>
+          </a:p>
+          <a:p>
+            <a:pPr marL="571500" indent="-571500">
+              <a:buFont typeface="Wingdings" panose="05000000000000000000" pitchFamily="2" charset="2"/>
+              <a:buChar char="ü"/>
+            </a:pPr>
+            <a:r>
+              <a:rPr lang="ja-JP" altLang="en-US" sz="4400" dirty="0" smtClean="0"/>
+              <a:t>　</a:t>
+            </a:r>
+            <a:r>
+              <a:rPr lang="ja-JP" altLang="en-US" sz="3600" dirty="0" smtClean="0"/>
+              <a:t>カタカナの長音を指摘された。「ユーザー」→「ユーザ」など。</a:t>
+            </a:r>
+            <a:endParaRPr lang="en-US" altLang="ja-JP" sz="3600" dirty="0" smtClean="0"/>
+          </a:p>
+          <a:p>
+            <a:pPr marL="571500" indent="-571500">
+              <a:buFont typeface="Wingdings" panose="05000000000000000000" pitchFamily="2" charset="2"/>
+              <a:buChar char="ü"/>
+            </a:pPr>
+            <a:r>
+              <a:rPr lang="ja-JP" altLang="en-US" sz="3600" dirty="0" smtClean="0"/>
+              <a:t>「</a:t>
+            </a:r>
+            <a:r>
+              <a:rPr lang="en-US" altLang="ja-JP" sz="3600" dirty="0"/>
+              <a:t>...*</a:t>
+            </a:r>
+            <a:r>
+              <a:rPr lang="ja-JP" altLang="en-US" sz="3600" dirty="0"/>
+              <a:t>の見出しのレベル</a:t>
+            </a:r>
+            <a:r>
+              <a:rPr lang="en-US" altLang="ja-JP" sz="3600" dirty="0"/>
+              <a:t>...</a:t>
+            </a:r>
+            <a:r>
+              <a:rPr lang="ja-JP" altLang="en-US" sz="3600" dirty="0" smtClean="0"/>
+              <a:t>」、</a:t>
+            </a:r>
+            <a:r>
+              <a:rPr lang="ja-JP" altLang="en-US" sz="3600" dirty="0"/>
+              <a:t> 「</a:t>
+            </a:r>
+            <a:r>
+              <a:rPr lang="en-US" altLang="ja-JP" sz="3600" dirty="0"/>
+              <a:t>...</a:t>
+            </a:r>
+            <a:r>
+              <a:rPr lang="ja-JP" altLang="en-US" sz="3600" dirty="0"/>
+              <a:t>個別の情報の相互運用性</a:t>
+            </a:r>
+            <a:r>
+              <a:rPr lang="en-US" altLang="ja-JP" sz="3600" dirty="0"/>
+              <a:t>...</a:t>
+            </a:r>
+            <a:r>
+              <a:rPr lang="ja-JP" altLang="en-US" sz="3600" dirty="0" smtClean="0"/>
+              <a:t>」など、接続詞が多いことが</a:t>
+            </a:r>
+            <a:endParaRPr lang="en-US" altLang="ja-JP" sz="3600" dirty="0" smtClean="0"/>
+          </a:p>
+          <a:p>
+            <a:r>
+              <a:rPr lang="ja-JP" altLang="en-US" sz="3600" dirty="0" smtClean="0"/>
+              <a:t>　　指摘された。</a:t>
+            </a:r>
+            <a:endParaRPr lang="en-US" altLang="ja-JP" sz="3600" dirty="0"/>
+          </a:p>
+          <a:p>
+            <a:pPr marL="571500" indent="-571500">
+              <a:buFont typeface="Wingdings" panose="05000000000000000000" pitchFamily="2" charset="2"/>
+              <a:buChar char="ü"/>
+            </a:pPr>
+            <a:endParaRPr kumimoji="1" lang="en-US" altLang="ja-JP" sz="4400" dirty="0"/>
+          </a:p>
+          <a:p>
+            <a:pPr marL="571500" indent="-571500">
+              <a:buFont typeface="Wingdings" panose="05000000000000000000" pitchFamily="2" charset="2"/>
+              <a:buChar char="ü"/>
+            </a:pPr>
+            <a:endParaRPr kumimoji="1" lang="ja-JP" altLang="en-US" sz="4400" dirty="0"/>
+          </a:p>
+        </p:txBody>
+      </p:sp>
+      <p:cxnSp>
+        <p:nvCxnSpPr>
+          <p:cNvPr id="109" name="直線コネクタ 108"/>
+          <p:cNvCxnSpPr/>
+          <p:nvPr/>
+        </p:nvCxnSpPr>
+        <p:spPr>
+          <a:xfrm flipV="1">
+            <a:off x="141183" y="27844869"/>
+            <a:ext cx="8243781" cy="20674"/>
+          </a:xfrm>
+          <a:prstGeom prst="line">
+            <a:avLst/>
+          </a:prstGeom>
+          <a:ln>
+            <a:solidFill>
+              <a:srgbClr val="FF0000"/>
+            </a:solidFill>
+          </a:ln>
+        </p:spPr>
+        <p:style>
+          <a:lnRef idx="1">
+            <a:schemeClr val="accent1"/>
+          </a:lnRef>
+          <a:fillRef idx="0">
+            <a:schemeClr val="accent1"/>
+          </a:fillRef>
+          <a:effectRef idx="0">
+            <a:schemeClr val="accent1"/>
+          </a:effectRef>
+          <a:fontRef idx="minor">
+            <a:schemeClr val="tx1"/>
+          </a:fontRef>
+        </p:style>
+      </p:cxnSp>
+      <p:sp>
+        <p:nvSpPr>
+          <p:cNvPr id="108" name="正方形/長方形 107"/>
+          <p:cNvSpPr/>
+          <p:nvPr/>
+        </p:nvSpPr>
+        <p:spPr>
+          <a:xfrm>
+            <a:off x="7790" y="26975103"/>
+            <a:ext cx="364562" cy="890440"/>
+          </a:xfrm>
+          <a:prstGeom prst="rect">
+            <a:avLst/>
+          </a:prstGeom>
+          <a:solidFill>
+            <a:srgbClr val="D55B5E"/>
+          </a:solidFill>
+          <a:ln>
+            <a:noFill/>
+          </a:ln>
+        </p:spPr>
+        <p:style>
+          <a:lnRef idx="2">
+            <a:schemeClr val="accent1">
+              <a:shade val="50000"/>
+            </a:schemeClr>
+          </a:lnRef>
+          <a:fillRef idx="1">
+            <a:schemeClr val="accent1"/>
+          </a:fillRef>
+          <a:effectRef idx="0">
+            <a:schemeClr val="accent1"/>
+          </a:effectRef>
+          <a:fontRef idx="minor">
+            <a:schemeClr val="lt1"/>
+          </a:fontRef>
+        </p:style>
+        <p:txBody>
+          <a:bodyPr rtlCol="0" anchor="ctr"/>
+          <a:lstStyle/>
+          <a:p>
+            <a:pPr algn="ctr"/>
+            <a:endParaRPr kumimoji="1" lang="ja-JP" altLang="en-US"/>
+          </a:p>
+        </p:txBody>
+      </p:sp>
+      <p:sp>
+        <p:nvSpPr>
+          <p:cNvPr id="110" name="テキスト ボックス 109"/>
+          <p:cNvSpPr txBox="1"/>
+          <p:nvPr/>
+        </p:nvSpPr>
+        <p:spPr>
+          <a:xfrm>
+            <a:off x="487447" y="26927880"/>
+            <a:ext cx="3903633" cy="984885"/>
+          </a:xfrm>
+          <a:prstGeom prst="rect">
+            <a:avLst/>
+          </a:prstGeom>
+          <a:noFill/>
+        </p:spPr>
+        <p:txBody>
+          <a:bodyPr wrap="none" rtlCol="0">
+            <a:spAutoFit/>
+          </a:bodyPr>
+          <a:lstStyle/>
+          <a:p>
+            <a:r>
+              <a:rPr kumimoji="1" lang="ja-JP" altLang="en-US" dirty="0" smtClean="0"/>
+              <a:t>今後の予定</a:t>
+            </a:r>
+            <a:endParaRPr kumimoji="1" lang="ja-JP" altLang="en-US" dirty="0"/>
+          </a:p>
+        </p:txBody>
+      </p:sp>
+      <p:sp>
+        <p:nvSpPr>
+          <p:cNvPr id="112" name="テキスト ボックス 111"/>
+          <p:cNvSpPr txBox="1"/>
+          <p:nvPr/>
+        </p:nvSpPr>
+        <p:spPr>
+          <a:xfrm>
+            <a:off x="485866" y="28017205"/>
+            <a:ext cx="19903205" cy="2123658"/>
+          </a:xfrm>
+          <a:prstGeom prst="rect">
+            <a:avLst/>
+          </a:prstGeom>
+          <a:noFill/>
+        </p:spPr>
+        <p:txBody>
+          <a:bodyPr wrap="none" rtlCol="0">
+            <a:spAutoFit/>
+          </a:bodyPr>
+          <a:lstStyle/>
+          <a:p>
+            <a:pPr marL="571500" indent="-571500">
+              <a:buFont typeface="Wingdings" panose="05000000000000000000" pitchFamily="2" charset="2"/>
+              <a:buChar char="Ø"/>
+            </a:pPr>
+            <a:r>
+              <a:rPr kumimoji="1" lang="ja-JP" altLang="en-US" sz="4400" dirty="0" smtClean="0"/>
+              <a:t>添削されなかったミスや、正しい文章表記がミスとして添削されることがあるため、</a:t>
+            </a:r>
+            <a:endParaRPr kumimoji="1" lang="en-US" altLang="ja-JP" sz="4400" dirty="0" smtClean="0"/>
+          </a:p>
+          <a:p>
+            <a:r>
+              <a:rPr kumimoji="1" lang="ja-JP" altLang="en-US" sz="4400" dirty="0" smtClean="0"/>
+              <a:t>設定を見直す。</a:t>
+            </a:r>
+            <a:endParaRPr kumimoji="1" lang="en-US" altLang="ja-JP" sz="4400" dirty="0" smtClean="0"/>
+          </a:p>
+          <a:p>
+            <a:pPr marL="571500" indent="-571500">
+              <a:buFont typeface="Wingdings" panose="05000000000000000000" pitchFamily="2" charset="2"/>
+              <a:buChar char="Ø"/>
+            </a:pPr>
+            <a:r>
+              <a:rPr lang="en-US" altLang="ja-JP" sz="4400" dirty="0" err="1" smtClean="0"/>
+              <a:t>RedPen</a:t>
+            </a:r>
+            <a:r>
+              <a:rPr lang="ja-JP" altLang="en-US" sz="4400" dirty="0" smtClean="0"/>
+              <a:t>を使って、文書の質や書く時間がどう変化したか検証する。</a:t>
+            </a:r>
+            <a:endParaRPr lang="en-US" altLang="ja-JP" sz="4400" dirty="0"/>
           </a:p>
         </p:txBody>
       </p:sp>

--- a/課題研究/2016/小山隆太郎/最終発表/1442031_小山隆太郎_ポスター.pptx
+++ b/課題研究/2016/小山隆太郎/最終発表/1442031_小山隆太郎_ポスター.pptx
@@ -4241,7 +4241,7 @@
         <p:spPr>
           <a:xfrm>
             <a:off x="483021" y="4688013"/>
-            <a:ext cx="15243275" cy="769441"/>
+            <a:ext cx="16163399" cy="769441"/>
           </a:xfrm>
           <a:prstGeom prst="rect">
             <a:avLst/>
@@ -4256,7 +4256,11 @@
           <a:p>
             <a:r>
               <a:rPr lang="ja-JP" altLang="en-US" sz="4400" dirty="0"/>
-              <a:t>文書ミスを自動で検査するツールで，現在も開発が進んでいる．</a:t>
+              <a:t>文書ミスを自動で検査するツールで，</a:t>
+            </a:r>
+            <a:r>
+              <a:rPr lang="ja-JP" altLang="en-US" sz="4400"/>
+              <a:t>技術文書の添削に使われる．</a:t>
             </a:r>
             <a:endParaRPr kumimoji="1" lang="ja-JP" altLang="en-US" sz="4400" dirty="0"/>
           </a:p>

--- a/課題研究/2016/小山隆太郎/最終発表/1442031_小山隆太郎_ポスター.pptx
+++ b/課題研究/2016/小山隆太郎/最終発表/1442031_小山隆太郎_ポスター.pptx
@@ -4153,8 +4153,8 @@
         </p:nvSpPr>
         <p:spPr>
           <a:xfrm>
-            <a:off x="1545543" y="395648"/>
-            <a:ext cx="16489832" cy="1323439"/>
+            <a:off x="1502149" y="420678"/>
+            <a:ext cx="16919039" cy="1015663"/>
           </a:xfrm>
           <a:prstGeom prst="rect">
             <a:avLst/>
@@ -4168,7 +4168,7 @@
           <a:p>
             <a:pPr algn="ctr"/>
             <a:r>
-              <a:rPr lang="en-US" altLang="ja-JP" sz="8000" dirty="0" err="1">
+              <a:rPr lang="en-US" altLang="ja-JP" sz="6000" dirty="0" err="1">
                 <a:solidFill>
                   <a:schemeClr val="bg1"/>
                 </a:solidFill>
@@ -4184,7 +4184,7 @@
               <a:t>RedPen</a:t>
             </a:r>
             <a:r>
-              <a:rPr lang="ja-JP" altLang="en-US" sz="8000" dirty="0">
+              <a:rPr lang="ja-JP" altLang="en-US" sz="6000" dirty="0">
                 <a:solidFill>
                   <a:schemeClr val="bg1"/>
                 </a:solidFill>
@@ -4197,7 +4197,7 @@
                 </a:effectLst>
                 <a:latin typeface="+mn-ea"/>
               </a:rPr>
-              <a:t>を使った文書自動添削</a:t>
+              <a:t>を使った文書自動添削システムの導入提案</a:t>
             </a:r>
           </a:p>
         </p:txBody>

--- a/課題研究/2016/小山隆太郎/最終発表/1442031_小山隆太郎_ポスター.pptx
+++ b/課題研究/2016/小山隆太郎/最終発表/1442031_小山隆太郎_ポスター.pptx
@@ -4241,7 +4241,7 @@
         <p:spPr>
           <a:xfrm>
             <a:off x="483021" y="4688013"/>
-            <a:ext cx="16163399" cy="769441"/>
+            <a:ext cx="15762648" cy="769441"/>
           </a:xfrm>
           <a:prstGeom prst="rect">
             <a:avLst/>
@@ -4256,11 +4256,11 @@
           <a:p>
             <a:r>
               <a:rPr lang="ja-JP" altLang="en-US" sz="4400" dirty="0"/>
-              <a:t>文書ミスを自動で検査するツールで，</a:t>
+              <a:t>文書ミスを自動で検査するツール</a:t>
             </a:r>
             <a:r>
               <a:rPr lang="ja-JP" altLang="en-US" sz="4400"/>
-              <a:t>技術文書の添削に使われる．</a:t>
+              <a:t>で，現在も開発が進んでいる．</a:t>
             </a:r>
             <a:endParaRPr kumimoji="1" lang="ja-JP" altLang="en-US" sz="4400" dirty="0"/>
           </a:p>

--- a/課題研究/2016/小山隆太郎/最終発表/1442031_小山隆太郎_ポスター.pptx
+++ b/課題研究/2016/小山隆太郎/最終発表/1442031_小山隆太郎_ポスター.pptx
@@ -5080,7 +5080,6 @@
           </a:bodyPr>
           <a:lstStyle/>
           <a:p>
-            <a:pPr algn="ctr"/>
             <a:r>
               <a:rPr lang="ja-JP" altLang="en-US" sz="4400" dirty="0"/>
               <a:t>添削しなかった文中ミスを添削できるように，設定ファイルを</a:t>
@@ -5088,7 +5087,6 @@
             <a:endParaRPr lang="en-US" altLang="ja-JP" sz="4400" dirty="0"/>
           </a:p>
           <a:p>
-            <a:pPr algn="ctr"/>
             <a:r>
               <a:rPr lang="ja-JP" altLang="en-US" sz="4400" dirty="0"/>
               <a:t>書き換える．</a:t>
@@ -5345,7 +5343,7 @@
         <p:spPr>
           <a:xfrm>
             <a:off x="306399" y="22082614"/>
-            <a:ext cx="19728478" cy="6247864"/>
+            <a:ext cx="18917358" cy="5693866"/>
           </a:xfrm>
           <a:prstGeom prst="rect">
             <a:avLst/>
@@ -5388,7 +5386,7 @@
               <a:rPr kumimoji="1" lang="ja-JP" altLang="en-US" sz="4400" dirty="0"/>
               <a:t>された．</a:t>
             </a:r>
-            <a:endParaRPr kumimoji="1" lang="en-US" altLang="ja-JP" sz="4400" dirty="0"/>
+            <a:endParaRPr lang="en-US" altLang="ja-JP" sz="4400" dirty="0"/>
           </a:p>
           <a:p>
             <a:pPr lvl="1"/>
@@ -5398,7 +5396,7 @@
             </a:r>
             <a:r>
               <a:rPr kumimoji="1" lang="ja-JP" altLang="en-US" sz="3600" dirty="0"/>
-              <a:t>文中の数値表記が統一できていないことを指摘された．</a:t>
+              <a:t>文中の数値表記が統一できていない．</a:t>
             </a:r>
             <a:r>
               <a:rPr lang="ja-JP" altLang="en-US" sz="3600" dirty="0"/>
@@ -5410,7 +5408,7 @@
             <a:pPr lvl="1"/>
             <a:r>
               <a:rPr lang="ja-JP" altLang="en-US" sz="3600" dirty="0"/>
-              <a:t>・「ユーザー」→「ユーザ」など，カタカナの長音が必要でないことを指摘された．</a:t>
+              <a:t>・「ユーザー」→「ユーザ」など，カタカナの長音が必要でない．</a:t>
             </a:r>
             <a:endParaRPr lang="en-US" altLang="ja-JP" sz="3600" dirty="0"/>
           </a:p>
@@ -5450,15 +5448,7 @@
             </a:r>
             <a:r>
               <a:rPr lang="ja-JP" altLang="en-US" sz="3600" dirty="0"/>
-              <a:t>」など，接続詞が余分にあることを</a:t>
-            </a:r>
-            <a:endParaRPr lang="en-US" altLang="ja-JP" sz="3600" dirty="0"/>
-          </a:p>
-          <a:p>
-            <a:pPr lvl="1"/>
-            <a:r>
-              <a:rPr lang="ja-JP" altLang="en-US" sz="3600" dirty="0"/>
-              <a:t>指摘された．</a:t>
+              <a:t>」など，接続詞が余分にある．</a:t>
             </a:r>
             <a:endParaRPr lang="en-US" altLang="ja-JP" sz="3600" dirty="0"/>
           </a:p>
@@ -5596,7 +5586,7 @@
         </p:nvSpPr>
         <p:spPr>
           <a:xfrm>
-            <a:off x="485866" y="28017205"/>
+            <a:off x="351018" y="28039655"/>
             <a:ext cx="21446897" cy="2123658"/>
           </a:xfrm>
           <a:prstGeom prst="rect">
@@ -5623,7 +5613,7 @@
           <a:p>
             <a:r>
               <a:rPr kumimoji="1" lang="ja-JP" altLang="en-US" sz="4400" dirty="0"/>
-              <a:t>設定を見直す．</a:t>
+              <a:t>　設定を見直す．</a:t>
             </a:r>
             <a:endParaRPr kumimoji="1" lang="en-US" altLang="ja-JP" sz="4400" dirty="0"/>
           </a:p>
